--- a/Documents/Workshop-Day2_BotFramework.pptx
+++ b/Documents/Workshop-Day2_BotFramework.pptx
@@ -5,22 +5,27 @@
     <p:sldMasterId id="2147483660" r:id="rId1"/>
   </p:sldMasterIdLst>
   <p:notesMasterIdLst>
-    <p:notesMasterId r:id="rId15"/>
+    <p:notesMasterId r:id="rId20"/>
   </p:notesMasterIdLst>
   <p:sldIdLst>
     <p:sldId id="256" r:id="rId2"/>
     <p:sldId id="265" r:id="rId3"/>
     <p:sldId id="274" r:id="rId4"/>
-    <p:sldId id="272" r:id="rId5"/>
+    <p:sldId id="279" r:id="rId5"/>
     <p:sldId id="275" r:id="rId6"/>
-    <p:sldId id="273" r:id="rId7"/>
-    <p:sldId id="268" r:id="rId8"/>
-    <p:sldId id="257" r:id="rId9"/>
-    <p:sldId id="261" r:id="rId10"/>
-    <p:sldId id="270" r:id="rId11"/>
-    <p:sldId id="262" r:id="rId12"/>
-    <p:sldId id="263" r:id="rId13"/>
-    <p:sldId id="264" r:id="rId14"/>
+    <p:sldId id="276" r:id="rId7"/>
+    <p:sldId id="277" r:id="rId8"/>
+    <p:sldId id="280" r:id="rId9"/>
+    <p:sldId id="273" r:id="rId10"/>
+    <p:sldId id="272" r:id="rId11"/>
+    <p:sldId id="268" r:id="rId12"/>
+    <p:sldId id="257" r:id="rId13"/>
+    <p:sldId id="261" r:id="rId14"/>
+    <p:sldId id="270" r:id="rId15"/>
+    <p:sldId id="262" r:id="rId16"/>
+    <p:sldId id="278" r:id="rId17"/>
+    <p:sldId id="263" r:id="rId18"/>
+    <p:sldId id="264" r:id="rId19"/>
   </p:sldIdLst>
   <p:sldSz cx="12192000" cy="6858000"/>
   <p:notesSz cx="6858000" cy="9144000"/>
@@ -209,7 +214,7 @@
           <a:p>
             <a:fld id="{35A8BE04-345A-4AD9-8986-94B5446CB875}" type="datetimeFigureOut">
               <a:rPr lang="zh-TW" altLang="en-US" smtClean="0"/>
-              <a:t>2016/9/14</a:t>
+              <a:t>2016/9/18</a:t>
             </a:fld>
             <a:endParaRPr lang="zh-TW" altLang="en-US"/>
           </a:p>
@@ -662,7 +667,7 @@
           <a:p>
             <a:fld id="{7E97D6BD-2F07-42C2-A2D4-6D8D9A189484}" type="datetime1">
               <a:rPr lang="zh-TW" altLang="en-US" smtClean="0"/>
-              <a:t>2016/9/14</a:t>
+              <a:t>2016/9/18</a:t>
             </a:fld>
             <a:endParaRPr lang="zh-TW" altLang="en-US"/>
           </a:p>
@@ -937,7 +942,7 @@
           <a:p>
             <a:fld id="{C5D17BAA-8F58-4034-8E29-ECBCF84008CB}" type="datetime1">
               <a:rPr lang="zh-TW" altLang="en-US" smtClean="0"/>
-              <a:t>2016/9/14</a:t>
+              <a:t>2016/9/18</a:t>
             </a:fld>
             <a:endParaRPr lang="zh-TW" altLang="en-US"/>
           </a:p>
@@ -1131,7 +1136,7 @@
           <a:p>
             <a:fld id="{34396D87-A29D-4900-A8F6-D983CD3E2A26}" type="datetime1">
               <a:rPr lang="zh-TW" altLang="en-US" smtClean="0"/>
-              <a:t>2016/9/14</a:t>
+              <a:t>2016/9/18</a:t>
             </a:fld>
             <a:endParaRPr lang="zh-TW" altLang="en-US"/>
           </a:p>
@@ -1404,7 +1409,7 @@
           <a:p>
             <a:fld id="{F11D7A34-9296-4803-8753-32DD0EF57342}" type="datetime1">
               <a:rPr lang="zh-TW" altLang="en-US" smtClean="0"/>
-              <a:t>2016/9/14</a:t>
+              <a:t>2016/9/18</a:t>
             </a:fld>
             <a:endParaRPr lang="zh-TW" altLang="en-US"/>
           </a:p>
@@ -1745,7 +1750,7 @@
           <a:p>
             <a:fld id="{E7C8CA49-3AB5-4922-8F7C-383DD99F7AE7}" type="datetime1">
               <a:rPr lang="zh-TW" altLang="en-US" smtClean="0"/>
-              <a:t>2016/9/14</a:t>
+              <a:t>2016/9/18</a:t>
             </a:fld>
             <a:endParaRPr lang="zh-TW" altLang="en-US"/>
           </a:p>
@@ -2368,7 +2373,7 @@
           <a:p>
             <a:fld id="{C9589C0C-59C4-4A15-98AE-D8405947541F}" type="datetime1">
               <a:rPr lang="zh-TW" altLang="en-US" smtClean="0"/>
-              <a:t>2016/9/14</a:t>
+              <a:t>2016/9/18</a:t>
             </a:fld>
             <a:endParaRPr lang="zh-TW" altLang="en-US"/>
           </a:p>
@@ -3228,7 +3233,7 @@
           <a:p>
             <a:fld id="{1BE3739C-2F79-4FC5-9ADC-28BAE113F759}" type="datetime1">
               <a:rPr lang="zh-TW" altLang="en-US" smtClean="0"/>
-              <a:t>2016/9/14</a:t>
+              <a:t>2016/9/18</a:t>
             </a:fld>
             <a:endParaRPr lang="zh-TW" altLang="en-US"/>
           </a:p>
@@ -3398,7 +3403,7 @@
           <a:p>
             <a:fld id="{91730079-48FE-4920-A672-5922D6C9F8DC}" type="datetime1">
               <a:rPr lang="zh-TW" altLang="en-US" smtClean="0"/>
-              <a:t>2016/9/14</a:t>
+              <a:t>2016/9/18</a:t>
             </a:fld>
             <a:endParaRPr lang="zh-TW" altLang="en-US"/>
           </a:p>
@@ -3578,7 +3583,7 @@
           <a:p>
             <a:fld id="{A3AB616A-B690-4310-9DA2-4884DD0EB5DC}" type="datetime1">
               <a:rPr lang="zh-TW" altLang="en-US" smtClean="0"/>
-              <a:t>2016/9/14</a:t>
+              <a:t>2016/9/18</a:t>
             </a:fld>
             <a:endParaRPr lang="zh-TW" altLang="en-US"/>
           </a:p>
@@ -3748,7 +3753,7 @@
           <a:p>
             <a:fld id="{904F983A-1F1E-45EA-8401-60A5C2EE6082}" type="datetime1">
               <a:rPr lang="zh-TW" altLang="en-US" smtClean="0"/>
-              <a:t>2016/9/14</a:t>
+              <a:t>2016/9/18</a:t>
             </a:fld>
             <a:endParaRPr lang="zh-TW" altLang="en-US"/>
           </a:p>
@@ -3995,7 +4000,7 @@
           <a:p>
             <a:fld id="{57B41EEB-A554-478A-8EC2-90C18F37AFEF}" type="datetime1">
               <a:rPr lang="zh-TW" altLang="en-US" smtClean="0"/>
-              <a:t>2016/9/14</a:t>
+              <a:t>2016/9/18</a:t>
             </a:fld>
             <a:endParaRPr lang="zh-TW" altLang="en-US"/>
           </a:p>
@@ -4287,7 +4292,7 @@
           <a:p>
             <a:fld id="{2E80C28F-6114-46CD-A3D3-0B0718E5722C}" type="datetime1">
               <a:rPr lang="zh-TW" altLang="en-US" smtClean="0"/>
-              <a:t>2016/9/14</a:t>
+              <a:t>2016/9/18</a:t>
             </a:fld>
             <a:endParaRPr lang="zh-TW" altLang="en-US"/>
           </a:p>
@@ -4731,7 +4736,7 @@
           <a:p>
             <a:fld id="{8930DD15-7476-483F-B53E-B6D5F494F630}" type="datetime1">
               <a:rPr lang="zh-TW" altLang="en-US" smtClean="0"/>
-              <a:t>2016/9/14</a:t>
+              <a:t>2016/9/18</a:t>
             </a:fld>
             <a:endParaRPr lang="zh-TW" altLang="en-US"/>
           </a:p>
@@ -4849,7 +4854,7 @@
           <a:p>
             <a:fld id="{85849854-2C2E-4200-85DA-0B9AEE098CC1}" type="datetime1">
               <a:rPr lang="zh-TW" altLang="en-US" smtClean="0"/>
-              <a:t>2016/9/14</a:t>
+              <a:t>2016/9/18</a:t>
             </a:fld>
             <a:endParaRPr lang="zh-TW" altLang="en-US"/>
           </a:p>
@@ -4944,7 +4949,7 @@
           <a:p>
             <a:fld id="{DF5FFF74-C872-4237-94B0-9AB64320E188}" type="datetime1">
               <a:rPr lang="zh-TW" altLang="en-US" smtClean="0"/>
-              <a:t>2016/9/14</a:t>
+              <a:t>2016/9/18</a:t>
             </a:fld>
             <a:endParaRPr lang="zh-TW" altLang="en-US"/>
           </a:p>
@@ -5223,7 +5228,7 @@
           <a:p>
             <a:fld id="{6F3334A4-7E4A-4804-AC1F-4759D5B7019F}" type="datetime1">
               <a:rPr lang="zh-TW" altLang="en-US" smtClean="0"/>
-              <a:t>2016/9/14</a:t>
+              <a:t>2016/9/18</a:t>
             </a:fld>
             <a:endParaRPr lang="zh-TW" altLang="en-US"/>
           </a:p>
@@ -5498,7 +5503,7 @@
           <a:p>
             <a:fld id="{4385464B-8495-4AEA-A164-832F070BFD59}" type="datetime1">
               <a:rPr lang="zh-TW" altLang="en-US" smtClean="0"/>
-              <a:t>2016/9/14</a:t>
+              <a:t>2016/9/18</a:t>
             </a:fld>
             <a:endParaRPr lang="zh-TW" altLang="en-US"/>
           </a:p>
@@ -5927,7 +5932,7 @@
           <a:p>
             <a:fld id="{BB0A19F6-665C-46D7-8A3F-A882E315E3F8}" type="datetime1">
               <a:rPr lang="zh-TW" altLang="en-US" smtClean="0"/>
-              <a:t>2016/9/14</a:t>
+              <a:t>2016/9/18</a:t>
             </a:fld>
             <a:endParaRPr lang="zh-TW" altLang="en-US"/>
           </a:p>
@@ -6568,7 +6573,7 @@
           <a:p>
             <a:r>
               <a:rPr lang="en-US" altLang="zh-TW" dirty="0"/>
-              <a:t>Breaks</a:t>
+              <a:t>Bot Sample</a:t>
             </a:r>
             <a:endParaRPr lang="zh-TW" altLang="en-US" dirty="0"/>
           </a:p>
@@ -6589,7 +6594,34 @@
           <a:bodyPr/>
           <a:lstStyle/>
           <a:p>
-            <a:endParaRPr lang="zh-TW" altLang="en-US"/>
+            <a:r>
+              <a:rPr lang="en-US" altLang="zh-TW" dirty="0"/>
+              <a:t>Spock (</a:t>
+            </a:r>
+            <a:r>
+              <a:rPr lang="en-US" altLang="zh-TW" dirty="0">
+                <a:hlinkClick r:id="rId2"/>
+              </a:rPr>
+              <a:t>https://join.skype.com/bot/7fa82ae6-547c-41b1-ba00-9de3b4190dac</a:t>
+            </a:r>
+            <a:r>
+              <a:rPr lang="en-US" altLang="zh-TW" dirty="0"/>
+              <a:t>)</a:t>
+            </a:r>
+          </a:p>
+          <a:p>
+            <a:endParaRPr lang="en-US" altLang="zh-TW" dirty="0"/>
+          </a:p>
+          <a:p>
+            <a:r>
+              <a:rPr lang="en-US" altLang="zh-TW" dirty="0" err="1"/>
+              <a:t>ImageBot</a:t>
+            </a:r>
+            <a:r>
+              <a:rPr lang="en-US" altLang="zh-TW" dirty="0"/>
+              <a:t> (https://join.skype.com/bot/79eaad73-f046-4720-9bba-3a2c8e1b0e0b)</a:t>
+            </a:r>
+            <a:endParaRPr lang="zh-TW" altLang="en-US" dirty="0"/>
           </a:p>
         </p:txBody>
       </p:sp>
@@ -6619,7 +6651,7 @@
     </p:spTree>
     <p:extLst>
       <p:ext uri="{BB962C8B-B14F-4D97-AF65-F5344CB8AC3E}">
-        <p14:creationId xmlns:p14="http://schemas.microsoft.com/office/powerpoint/2010/main" val="3657379905"/>
+        <p14:creationId xmlns:p14="http://schemas.microsoft.com/office/powerpoint/2010/main" val="4116981231"/>
       </p:ext>
     </p:extLst>
   </p:cSld>
@@ -6663,7 +6695,7 @@
           <a:p>
             <a:r>
               <a:rPr lang="en-US" altLang="zh-TW" dirty="0"/>
-              <a:t>Hands-On Lab3</a:t>
+              <a:t>Lunch time</a:t>
             </a:r>
             <a:endParaRPr lang="zh-TW" altLang="en-US" dirty="0"/>
           </a:p>
@@ -6684,41 +6716,7 @@
           <a:bodyPr/>
           <a:lstStyle/>
           <a:p>
-            <a:r>
-              <a:rPr lang="zh-TW" altLang="en-US" dirty="0"/>
-              <a:t>建立一個簡單的對話 </a:t>
-            </a:r>
-            <a:r>
-              <a:rPr lang="en-US" altLang="zh-TW" dirty="0" err="1"/>
-              <a:t>Chatbot</a:t>
-            </a:r>
-            <a:endParaRPr lang="en-US" altLang="zh-TW" dirty="0"/>
-          </a:p>
-          <a:p>
-            <a:pPr lvl="1"/>
-            <a:r>
-              <a:rPr lang="zh-TW" altLang="en-US" dirty="0"/>
-              <a:t>程式撰寫</a:t>
-            </a:r>
-            <a:endParaRPr lang="en-US" altLang="zh-TW" dirty="0"/>
-          </a:p>
-          <a:p>
-            <a:pPr lvl="1"/>
-            <a:r>
-              <a:rPr lang="zh-TW" altLang="en-US" dirty="0"/>
-              <a:t>註冊</a:t>
-            </a:r>
-            <a:r>
-              <a:rPr lang="en-US" altLang="zh-TW" dirty="0"/>
-              <a:t>Bot Framework</a:t>
-            </a:r>
-          </a:p>
-          <a:p>
-            <a:pPr lvl="1"/>
-            <a:r>
-              <a:rPr lang="zh-TW" altLang="en-US" dirty="0"/>
-              <a:t>發佈並測試</a:t>
-            </a:r>
+            <a:endParaRPr lang="zh-TW" altLang="en-US" dirty="0"/>
           </a:p>
         </p:txBody>
       </p:sp>
@@ -6748,7 +6746,7 @@
     </p:spTree>
     <p:extLst>
       <p:ext uri="{BB962C8B-B14F-4D97-AF65-F5344CB8AC3E}">
-        <p14:creationId xmlns:p14="http://schemas.microsoft.com/office/powerpoint/2010/main" val="2264714924"/>
+        <p14:creationId xmlns:p14="http://schemas.microsoft.com/office/powerpoint/2010/main" val="613636715"/>
       </p:ext>
     </p:extLst>
   </p:cSld>
@@ -6777,457 +6775,7 @@
       </p:grpSpPr>
       <p:sp>
         <p:nvSpPr>
-          <p:cNvPr id="4" name="投影片編號版面配置區 3"/>
-          <p:cNvSpPr>
-            <a:spLocks noGrp="1"/>
-          </p:cNvSpPr>
-          <p:nvPr>
-            <p:ph type="sldNum" sz="quarter" idx="12"/>
-          </p:nvPr>
-        </p:nvSpPr>
-        <p:spPr/>
-        <p:txBody>
-          <a:bodyPr/>
-          <a:lstStyle/>
-          <a:p>
-            <a:fld id="{D466FAAA-B4AD-4AFB-AEBE-069464B45C14}" type="slidenum">
-              <a:rPr lang="zh-TW" altLang="en-US" smtClean="0"/>
-              <a:t>12</a:t>
-            </a:fld>
-            <a:endParaRPr lang="zh-TW" altLang="en-US"/>
-          </a:p>
-        </p:txBody>
-      </p:sp>
-      <p:sp>
-        <p:nvSpPr>
-          <p:cNvPr id="5" name="標題 1"/>
-          <p:cNvSpPr txBox="1">
-            <a:spLocks/>
-          </p:cNvSpPr>
-          <p:nvPr/>
-        </p:nvSpPr>
-        <p:spPr>
-          <a:xfrm>
-            <a:off x="646111" y="2700967"/>
-            <a:ext cx="9404723" cy="1400530"/>
-          </a:xfrm>
-          <a:prstGeom prst="rect">
-            <a:avLst/>
-          </a:prstGeom>
-        </p:spPr>
-        <p:txBody>
-          <a:bodyPr vert="horz" lIns="91440" tIns="45720" rIns="91440" bIns="45720" rtlCol="0" anchor="t">
-            <a:noAutofit/>
-          </a:bodyPr>
-          <a:lstStyle>
-            <a:lvl1pPr algn="l" defTabSz="457200" rtl="0" eaLnBrk="1" latinLnBrk="0" hangingPunct="1">
-              <a:spcBef>
-                <a:spcPct val="0"/>
-              </a:spcBef>
-              <a:buNone/>
-              <a:defRPr sz="4200" b="0" i="0" kern="1200">
-                <a:solidFill>
-                  <a:schemeClr val="tx2"/>
-                </a:solidFill>
-                <a:latin typeface="+mj-lt"/>
-                <a:ea typeface="+mj-ea"/>
-                <a:cs typeface="+mj-cs"/>
-              </a:defRPr>
-            </a:lvl1pPr>
-            <a:lvl2pPr eaLnBrk="1" hangingPunct="1">
-              <a:defRPr>
-                <a:solidFill>
-                  <a:schemeClr val="tx2"/>
-                </a:solidFill>
-              </a:defRPr>
-            </a:lvl2pPr>
-            <a:lvl3pPr eaLnBrk="1" hangingPunct="1">
-              <a:defRPr>
-                <a:solidFill>
-                  <a:schemeClr val="tx2"/>
-                </a:solidFill>
-              </a:defRPr>
-            </a:lvl3pPr>
-            <a:lvl4pPr eaLnBrk="1" hangingPunct="1">
-              <a:defRPr>
-                <a:solidFill>
-                  <a:schemeClr val="tx2"/>
-                </a:solidFill>
-              </a:defRPr>
-            </a:lvl4pPr>
-            <a:lvl5pPr eaLnBrk="1" hangingPunct="1">
-              <a:defRPr>
-                <a:solidFill>
-                  <a:schemeClr val="tx2"/>
-                </a:solidFill>
-              </a:defRPr>
-            </a:lvl5pPr>
-            <a:lvl6pPr eaLnBrk="1" hangingPunct="1">
-              <a:defRPr>
-                <a:solidFill>
-                  <a:schemeClr val="tx2"/>
-                </a:solidFill>
-              </a:defRPr>
-            </a:lvl6pPr>
-            <a:lvl7pPr eaLnBrk="1" hangingPunct="1">
-              <a:defRPr>
-                <a:solidFill>
-                  <a:schemeClr val="tx2"/>
-                </a:solidFill>
-              </a:defRPr>
-            </a:lvl7pPr>
-            <a:lvl8pPr eaLnBrk="1" hangingPunct="1">
-              <a:defRPr>
-                <a:solidFill>
-                  <a:schemeClr val="tx2"/>
-                </a:solidFill>
-              </a:defRPr>
-            </a:lvl8pPr>
-            <a:lvl9pPr eaLnBrk="1" hangingPunct="1">
-              <a:defRPr>
-                <a:solidFill>
-                  <a:schemeClr val="tx2"/>
-                </a:solidFill>
-              </a:defRPr>
-            </a:lvl9pPr>
-          </a:lstStyle>
-          <a:p>
-            <a:pPr algn="ctr"/>
-            <a:r>
-              <a:rPr lang="en-US" altLang="zh-TW" dirty="0"/>
-              <a:t>Q&amp;A</a:t>
-            </a:r>
-            <a:endParaRPr lang="zh-TW" altLang="en-US" dirty="0"/>
-          </a:p>
-        </p:txBody>
-      </p:sp>
-    </p:spTree>
-    <p:extLst>
-      <p:ext uri="{BB962C8B-B14F-4D97-AF65-F5344CB8AC3E}">
-        <p14:creationId xmlns:p14="http://schemas.microsoft.com/office/powerpoint/2010/main" val="1995766345"/>
-      </p:ext>
-    </p:extLst>
-  </p:cSld>
-  <p:clrMapOvr>
-    <a:masterClrMapping/>
-  </p:clrMapOvr>
-</p:sld>
-</file>
-
-<file path=ppt/slides/slide13.xml><?xml version="1.0" encoding="utf-8"?>
-<p:sld xmlns:a="http://schemas.openxmlformats.org/drawingml/2006/main" xmlns:r="http://schemas.openxmlformats.org/officeDocument/2006/relationships" xmlns:p="http://schemas.openxmlformats.org/presentationml/2006/main">
-  <p:cSld>
-    <p:spTree>
-      <p:nvGrpSpPr>
-        <p:cNvPr id="1" name=""/>
-        <p:cNvGrpSpPr/>
-        <p:nvPr/>
-      </p:nvGrpSpPr>
-      <p:grpSpPr>
-        <a:xfrm>
-          <a:off x="0" y="0"/>
-          <a:ext cx="0" cy="0"/>
-          <a:chOff x="0" y="0"/>
-          <a:chExt cx="0" cy="0"/>
-        </a:xfrm>
-      </p:grpSpPr>
-      <p:sp>
-        <p:nvSpPr>
-          <p:cNvPr id="2" name="標題 1"/>
-          <p:cNvSpPr>
-            <a:spLocks noGrp="1"/>
-          </p:cNvSpPr>
-          <p:nvPr>
-            <p:ph type="title"/>
-          </p:nvPr>
-        </p:nvSpPr>
-        <p:spPr/>
-        <p:txBody>
-          <a:bodyPr/>
-          <a:lstStyle/>
-          <a:p>
-            <a:r>
-              <a:rPr lang="en-US" altLang="zh-TW" dirty="0"/>
-              <a:t>See you next section!</a:t>
-            </a:r>
-            <a:endParaRPr lang="zh-TW" altLang="en-US" dirty="0"/>
-          </a:p>
-        </p:txBody>
-      </p:sp>
-      <p:sp>
-        <p:nvSpPr>
-          <p:cNvPr id="3" name="內容版面配置區 2"/>
-          <p:cNvSpPr>
-            <a:spLocks noGrp="1"/>
-          </p:cNvSpPr>
-          <p:nvPr>
-            <p:ph idx="1"/>
-          </p:nvPr>
-        </p:nvSpPr>
-        <p:spPr/>
-        <p:txBody>
-          <a:bodyPr/>
-          <a:lstStyle/>
-          <a:p>
-            <a:endParaRPr lang="zh-TW" altLang="en-US" dirty="0"/>
-          </a:p>
-        </p:txBody>
-      </p:sp>
-      <p:sp>
-        <p:nvSpPr>
-          <p:cNvPr id="4" name="投影片編號版面配置區 3"/>
-          <p:cNvSpPr>
-            <a:spLocks noGrp="1"/>
-          </p:cNvSpPr>
-          <p:nvPr>
-            <p:ph type="sldNum" sz="quarter" idx="12"/>
-          </p:nvPr>
-        </p:nvSpPr>
-        <p:spPr/>
-        <p:txBody>
-          <a:bodyPr/>
-          <a:lstStyle/>
-          <a:p>
-            <a:fld id="{D466FAAA-B4AD-4AFB-AEBE-069464B45C14}" type="slidenum">
-              <a:rPr lang="zh-TW" altLang="en-US" smtClean="0"/>
-              <a:t>13</a:t>
-            </a:fld>
-            <a:endParaRPr lang="zh-TW" altLang="en-US"/>
-          </a:p>
-        </p:txBody>
-      </p:sp>
-    </p:spTree>
-    <p:extLst>
-      <p:ext uri="{BB962C8B-B14F-4D97-AF65-F5344CB8AC3E}">
-        <p14:creationId xmlns:p14="http://schemas.microsoft.com/office/powerpoint/2010/main" val="945461146"/>
-      </p:ext>
-    </p:extLst>
-  </p:cSld>
-  <p:clrMapOvr>
-    <a:masterClrMapping/>
-  </p:clrMapOvr>
-</p:sld>
-</file>
-
-<file path=ppt/slides/slide2.xml><?xml version="1.0" encoding="utf-8"?>
-<p:sld xmlns:a="http://schemas.openxmlformats.org/drawingml/2006/main" xmlns:r="http://schemas.openxmlformats.org/officeDocument/2006/relationships" xmlns:p="http://schemas.openxmlformats.org/presentationml/2006/main">
-  <p:cSld>
-    <p:spTree>
-      <p:nvGrpSpPr>
-        <p:cNvPr id="1" name=""/>
-        <p:cNvGrpSpPr/>
-        <p:nvPr/>
-      </p:nvGrpSpPr>
-      <p:grpSpPr>
-        <a:xfrm>
-          <a:off x="0" y="0"/>
-          <a:ext cx="0" cy="0"/>
-          <a:chOff x="0" y="0"/>
-          <a:chExt cx="0" cy="0"/>
-        </a:xfrm>
-      </p:grpSpPr>
-      <p:sp>
-        <p:nvSpPr>
-          <p:cNvPr id="2" name="標題 1"/>
-          <p:cNvSpPr>
-            <a:spLocks noGrp="1"/>
-          </p:cNvSpPr>
-          <p:nvPr>
-            <p:ph type="title"/>
-          </p:nvPr>
-        </p:nvSpPr>
-        <p:spPr/>
-        <p:txBody>
-          <a:bodyPr/>
-          <a:lstStyle/>
-          <a:p>
-            <a:r>
-              <a:rPr lang="en-US" altLang="zh-TW" dirty="0"/>
-              <a:t>Outline</a:t>
-            </a:r>
-            <a:endParaRPr lang="zh-TW" altLang="en-US" dirty="0"/>
-          </a:p>
-        </p:txBody>
-      </p:sp>
-      <p:sp>
-        <p:nvSpPr>
-          <p:cNvPr id="3" name="內容版面配置區 2"/>
-          <p:cNvSpPr>
-            <a:spLocks noGrp="1"/>
-          </p:cNvSpPr>
-          <p:nvPr>
-            <p:ph idx="1"/>
-          </p:nvPr>
-        </p:nvSpPr>
-        <p:spPr/>
-        <p:txBody>
-          <a:bodyPr/>
-          <a:lstStyle/>
-          <a:p>
-            <a:r>
-              <a:rPr lang="en-US" altLang="zh-TW" dirty="0"/>
-              <a:t>09:30 ~ 10:30        Microsoft Bot Framework</a:t>
-            </a:r>
-            <a:r>
-              <a:rPr lang="zh-TW" altLang="en-US" dirty="0"/>
-              <a:t>相關概念介紹</a:t>
-            </a:r>
-          </a:p>
-          <a:p>
-            <a:r>
-              <a:rPr lang="en-US" altLang="zh-TW" dirty="0"/>
-              <a:t>10:45 ~ 12:00        Bot Builder, Emulator </a:t>
-            </a:r>
-            <a:r>
-              <a:rPr lang="zh-TW" altLang="en-US" dirty="0"/>
-              <a:t>介紹</a:t>
-            </a:r>
-          </a:p>
-          <a:p>
-            <a:r>
-              <a:rPr lang="en-US" altLang="zh-TW" dirty="0"/>
-              <a:t>12:00 ~ 13:00        </a:t>
-            </a:r>
-            <a:r>
-              <a:rPr lang="zh-TW" altLang="en-US" dirty="0"/>
-              <a:t>午餐</a:t>
-            </a:r>
-          </a:p>
-          <a:p>
-            <a:r>
-              <a:rPr lang="en-US" altLang="zh-TW" dirty="0"/>
-              <a:t>13:20 ~ 14:30        Hands-On Lab 1 :</a:t>
-            </a:r>
-            <a:r>
-              <a:rPr lang="zh-TW" altLang="en-US" dirty="0"/>
-              <a:t>介紹</a:t>
-            </a:r>
-            <a:r>
-              <a:rPr lang="en-US" altLang="zh-TW" dirty="0"/>
-              <a:t> </a:t>
-            </a:r>
-            <a:r>
-              <a:rPr lang="en-US" altLang="zh-TW" dirty="0" err="1"/>
-              <a:t>EchoBot</a:t>
-            </a:r>
-            <a:endParaRPr lang="zh-TW" altLang="en-US" dirty="0"/>
-          </a:p>
-          <a:p>
-            <a:r>
-              <a:rPr lang="en-US" altLang="zh-TW" dirty="0"/>
-              <a:t>14:30 ~ 15:30        Hands-On Lab 2</a:t>
-            </a:r>
-            <a:r>
-              <a:rPr lang="zh-TW" altLang="en-US" dirty="0"/>
-              <a:t>：介紹</a:t>
-            </a:r>
-            <a:r>
-              <a:rPr lang="en-US" altLang="zh-TW" dirty="0" err="1"/>
-              <a:t>SandwichBot</a:t>
-            </a:r>
-            <a:endParaRPr lang="zh-TW" altLang="en-US" dirty="0"/>
-          </a:p>
-          <a:p>
-            <a:r>
-              <a:rPr lang="en-US" altLang="zh-TW" dirty="0"/>
-              <a:t>15:30 ~ 16:00        Break</a:t>
-            </a:r>
-          </a:p>
-          <a:p>
-            <a:r>
-              <a:rPr lang="en-US" altLang="zh-TW" dirty="0"/>
-              <a:t>16:00 ~ 17:30        Hands-On Lab 3</a:t>
-            </a:r>
-            <a:r>
-              <a:rPr lang="zh-TW" altLang="en-US" dirty="0"/>
-              <a:t>：做出請假</a:t>
-            </a:r>
-            <a:r>
-              <a:rPr lang="en-US" altLang="zh-TW" dirty="0"/>
-              <a:t>Bot(1 </a:t>
-            </a:r>
-            <a:r>
-              <a:rPr lang="zh-TW" altLang="en-US" dirty="0"/>
-              <a:t>請假；</a:t>
-            </a:r>
-            <a:r>
-              <a:rPr lang="en-US" altLang="zh-TW" dirty="0"/>
-              <a:t>2 </a:t>
-            </a:r>
-            <a:r>
-              <a:rPr lang="zh-TW" altLang="en-US" dirty="0"/>
-              <a:t>查詢請假時數</a:t>
-            </a:r>
-            <a:r>
-              <a:rPr lang="en-US" altLang="zh-TW" dirty="0"/>
-              <a:t>)</a:t>
-            </a:r>
-          </a:p>
-          <a:p>
-            <a:r>
-              <a:rPr lang="en-US" altLang="zh-TW" dirty="0"/>
-              <a:t>17:30 ~ 18:00        Q &amp; A</a:t>
-            </a:r>
-            <a:endParaRPr lang="zh-TW" altLang="en-US" dirty="0"/>
-          </a:p>
-        </p:txBody>
-      </p:sp>
-      <p:sp>
-        <p:nvSpPr>
-          <p:cNvPr id="4" name="投影片編號版面配置區 3"/>
-          <p:cNvSpPr>
-            <a:spLocks noGrp="1"/>
-          </p:cNvSpPr>
-          <p:nvPr>
-            <p:ph type="sldNum" sz="quarter" idx="12"/>
-          </p:nvPr>
-        </p:nvSpPr>
-        <p:spPr/>
-        <p:txBody>
-          <a:bodyPr/>
-          <a:lstStyle/>
-          <a:p>
-            <a:fld id="{D466FAAA-B4AD-4AFB-AEBE-069464B45C14}" type="slidenum">
-              <a:rPr lang="zh-TW" altLang="en-US" smtClean="0"/>
-              <a:t>2</a:t>
-            </a:fld>
-            <a:endParaRPr lang="zh-TW" altLang="en-US"/>
-          </a:p>
-        </p:txBody>
-      </p:sp>
-    </p:spTree>
-    <p:extLst>
-      <p:ext uri="{BB962C8B-B14F-4D97-AF65-F5344CB8AC3E}">
-        <p14:creationId xmlns:p14="http://schemas.microsoft.com/office/powerpoint/2010/main" val="3225189852"/>
-      </p:ext>
-    </p:extLst>
-  </p:cSld>
-  <p:clrMapOvr>
-    <a:masterClrMapping/>
-  </p:clrMapOvr>
-</p:sld>
-</file>
-
-<file path=ppt/slides/slide3.xml><?xml version="1.0" encoding="utf-8"?>
-<p:sld xmlns:a="http://schemas.openxmlformats.org/drawingml/2006/main" xmlns:r="http://schemas.openxmlformats.org/officeDocument/2006/relationships" xmlns:p="http://schemas.openxmlformats.org/presentationml/2006/main">
-  <p:cSld>
-    <p:spTree>
-      <p:nvGrpSpPr>
-        <p:cNvPr id="1" name=""/>
-        <p:cNvGrpSpPr/>
-        <p:nvPr/>
-      </p:nvGrpSpPr>
-      <p:grpSpPr>
-        <a:xfrm>
-          <a:off x="0" y="0"/>
-          <a:ext cx="0" cy="0"/>
-          <a:chOff x="0" y="0"/>
-          <a:chExt cx="0" cy="0"/>
-        </a:xfrm>
-      </p:grpSpPr>
-      <p:sp>
-        <p:nvSpPr>
-          <p:cNvPr id="16" name="Rectangle 11"/>
+          <p:cNvPr id="12" name="Rectangle 11"/>
           <p:cNvSpPr>
             <a:spLocks noGrp="1" noRot="1" noChangeAspect="1" noMove="1" noResize="1" noEditPoints="1" noAdjustHandles="1" noChangeArrowheads="1" noChangeShapeType="1" noTextEdit="1"/>
           </p:cNvSpPr>
@@ -7281,7 +6829,7 @@
       </p:sp>
       <p:sp>
         <p:nvSpPr>
-          <p:cNvPr id="17" name="Freeform 31"/>
+          <p:cNvPr id="13" name="Freeform 31"/>
           <p:cNvSpPr>
             <a:spLocks noGrp="1" noRot="1" noChangeAspect="1" noMove="1" noResize="1" noEditPoints="1" noAdjustHandles="1" noChangeArrowheads="1" noChangeShapeType="1" noTextEdit="1"/>
           </p:cNvSpPr>
@@ -7624,7 +7172,7 @@
       </p:sp>
       <p:sp>
         <p:nvSpPr>
-          <p:cNvPr id="18" name="Freeform 5"/>
+          <p:cNvPr id="14" name="Freeform 5"/>
           <p:cNvSpPr>
             <a:spLocks noGrp="1" noRot="1" noChangeAspect="1" noMove="1" noResize="1" noEditPoints="1" noAdjustHandles="1" noChangeArrowheads="1" noChangeShapeType="1" noTextEdit="1"/>
           </p:cNvSpPr>
@@ -7816,22 +7364,21 @@
       </p:sp>
       <p:pic>
         <p:nvPicPr>
-          <p:cNvPr id="5" name="內容版面配置區 4"/>
+          <p:cNvPr id="5" name="圖片 4"/>
           <p:cNvPicPr>
             <a:picLocks noChangeAspect="1"/>
           </p:cNvPicPr>
           <p:nvPr/>
         </p:nvPicPr>
-        <p:blipFill>
+        <p:blipFill rotWithShape="1">
           <a:blip r:embed="rId2"/>
-          <a:stretch>
-            <a:fillRect/>
-          </a:stretch>
+          <a:srcRect/>
+          <a:stretch/>
         </p:blipFill>
         <p:spPr>
           <a:xfrm>
-            <a:off x="6093992" y="2066526"/>
-            <a:ext cx="5449889" cy="2724944"/>
+            <a:off x="6093992" y="1001321"/>
+            <a:ext cx="5449889" cy="4855355"/>
           </a:xfrm>
           <a:prstGeom prst="rect">
             <a:avLst/>
@@ -7841,7 +7388,7 @@
       </p:pic>
       <p:sp>
         <p:nvSpPr>
-          <p:cNvPr id="19" name="Rectangle 14"/>
+          <p:cNvPr id="15" name="Rectangle 14"/>
           <p:cNvSpPr>
             <a:spLocks noGrp="1" noRot="1" noChangeAspect="1" noMove="1" noResize="1" noEditPoints="1" noAdjustHandles="1" noChangeArrowheads="1" noChangeShapeType="1" noTextEdit="1"/>
           </p:cNvSpPr>
@@ -7905,19 +7452,11 @@
           </a:bodyPr>
           <a:lstStyle/>
           <a:p>
-            <a:pPr>
-              <a:lnSpc>
-                <a:spcPct val="80000"/>
-              </a:lnSpc>
-            </a:pPr>
-            <a:r>
-              <a:rPr lang="en-US" altLang="zh-TW" sz="3900"/>
-              <a:t>Microsoft Bot Framework</a:t>
-            </a:r>
-            <a:r>
-              <a:rPr lang="zh-TW" altLang="en-US" sz="3900"/>
-              <a:t>相關概念介紹</a:t>
-            </a:r>
+            <a:r>
+              <a:rPr lang="en-US" altLang="zh-TW" dirty="0"/>
+              <a:t>Hands-On Lab1</a:t>
+            </a:r>
+            <a:endParaRPr lang="zh-TW" altLang="en-US" dirty="0"/>
           </a:p>
         </p:txBody>
       </p:sp>
@@ -7943,7 +7482,33 @@
           </a:bodyPr>
           <a:lstStyle/>
           <a:p>
-            <a:endParaRPr lang="zh-TW" altLang="en-US"/>
+            <a:r>
+              <a:rPr lang="en-US" altLang="zh-TW" dirty="0"/>
+              <a:t>Download sample code (</a:t>
+            </a:r>
+            <a:r>
+              <a:rPr lang="en-US" altLang="zh-TW" dirty="0" err="1">
+                <a:hlinkClick r:id="rId3"/>
+              </a:rPr>
+              <a:t>gotoLink</a:t>
+            </a:r>
+            <a:r>
+              <a:rPr lang="en-US" altLang="zh-TW" dirty="0"/>
+              <a:t>)</a:t>
+            </a:r>
+          </a:p>
+          <a:p>
+            <a:r>
+              <a:rPr lang="en-US" altLang="zh-TW" dirty="0" err="1"/>
+              <a:t>EchoBot</a:t>
+            </a:r>
+            <a:endParaRPr lang="en-US" altLang="zh-TW" dirty="0"/>
+          </a:p>
+          <a:p>
+            <a:endParaRPr lang="en-US" altLang="zh-TW" dirty="0"/>
+          </a:p>
+          <a:p>
+            <a:endParaRPr lang="zh-TW" altLang="en-US" dirty="0"/>
           </a:p>
         </p:txBody>
       </p:sp>
@@ -7966,7 +7531,7 @@
           <a:p>
             <a:fld id="{D466FAAA-B4AD-4AFB-AEBE-069464B45C14}" type="slidenum">
               <a:rPr lang="zh-TW" altLang="en-US" smtClean="0"/>
-              <a:t>3</a:t>
+              <a:t>12</a:t>
             </a:fld>
             <a:endParaRPr lang="zh-TW" altLang="en-US"/>
           </a:p>
@@ -7975,7 +7540,7 @@
     </p:spTree>
     <p:extLst>
       <p:ext uri="{BB962C8B-B14F-4D97-AF65-F5344CB8AC3E}">
-        <p14:creationId xmlns:p14="http://schemas.microsoft.com/office/powerpoint/2010/main" val="867468034"/>
+        <p14:creationId xmlns:p14="http://schemas.microsoft.com/office/powerpoint/2010/main" val="4158931114"/>
       </p:ext>
     </p:extLst>
   </p:cSld>
@@ -7985,7 +7550,7 @@
 </p:sld>
 </file>
 
-<file path=ppt/slides/slide4.xml><?xml version="1.0" encoding="utf-8"?>
+<file path=ppt/slides/slide13.xml><?xml version="1.0" encoding="utf-8"?>
 <p:sld xmlns:a="http://schemas.openxmlformats.org/drawingml/2006/main" xmlns:r="http://schemas.openxmlformats.org/officeDocument/2006/relationships" xmlns:p="http://schemas.openxmlformats.org/presentationml/2006/main">
   <p:cSld>
     <p:spTree>
@@ -8004,129 +7569,7 @@
       </p:grpSpPr>
       <p:sp>
         <p:nvSpPr>
-          <p:cNvPr id="2" name="標題 1"/>
-          <p:cNvSpPr>
-            <a:spLocks noGrp="1"/>
-          </p:cNvSpPr>
-          <p:nvPr>
-            <p:ph type="title"/>
-          </p:nvPr>
-        </p:nvSpPr>
-        <p:spPr/>
-        <p:txBody>
-          <a:bodyPr/>
-          <a:lstStyle/>
-          <a:p>
-            <a:r>
-              <a:rPr lang="en-US" altLang="zh-TW" dirty="0"/>
-              <a:t>Bot Sample</a:t>
-            </a:r>
-            <a:endParaRPr lang="zh-TW" altLang="en-US" dirty="0"/>
-          </a:p>
-        </p:txBody>
-      </p:sp>
-      <p:sp>
-        <p:nvSpPr>
-          <p:cNvPr id="3" name="內容版面配置區 2"/>
-          <p:cNvSpPr>
-            <a:spLocks noGrp="1"/>
-          </p:cNvSpPr>
-          <p:nvPr>
-            <p:ph idx="1"/>
-          </p:nvPr>
-        </p:nvSpPr>
-        <p:spPr/>
-        <p:txBody>
-          <a:bodyPr/>
-          <a:lstStyle/>
-          <a:p>
-            <a:r>
-              <a:rPr lang="zh-TW" altLang="en-US" dirty="0"/>
-              <a:t>這頁會找</a:t>
-            </a:r>
-            <a:r>
-              <a:rPr lang="en-US" altLang="zh-TW" dirty="0"/>
-              <a:t>BOT FRAMEWORK</a:t>
-            </a:r>
-            <a:r>
-              <a:rPr lang="zh-TW" altLang="en-US" dirty="0"/>
-              <a:t>首頁那些</a:t>
-            </a:r>
-            <a:r>
-              <a:rPr lang="en-US" altLang="zh-TW" dirty="0"/>
-              <a:t>BOT</a:t>
-            </a:r>
-            <a:r>
-              <a:rPr lang="zh-TW" altLang="en-US" dirty="0"/>
-              <a:t>來作</a:t>
-            </a:r>
-            <a:r>
-              <a:rPr lang="en-US" altLang="zh-TW" dirty="0"/>
-              <a:t>DEMO</a:t>
-            </a:r>
-            <a:r>
-              <a:rPr lang="zh-TW" altLang="en-US" dirty="0"/>
-              <a:t>。</a:t>
-            </a:r>
-          </a:p>
-        </p:txBody>
-      </p:sp>
-      <p:sp>
-        <p:nvSpPr>
-          <p:cNvPr id="4" name="投影片編號版面配置區 3"/>
-          <p:cNvSpPr>
-            <a:spLocks noGrp="1"/>
-          </p:cNvSpPr>
-          <p:nvPr>
-            <p:ph type="sldNum" sz="quarter" idx="12"/>
-          </p:nvPr>
-        </p:nvSpPr>
-        <p:spPr/>
-        <p:txBody>
-          <a:bodyPr/>
-          <a:lstStyle/>
-          <a:p>
-            <a:fld id="{D466FAAA-B4AD-4AFB-AEBE-069464B45C14}" type="slidenum">
-              <a:rPr lang="zh-TW" altLang="en-US" smtClean="0"/>
-              <a:t>4</a:t>
-            </a:fld>
-            <a:endParaRPr lang="zh-TW" altLang="en-US"/>
-          </a:p>
-        </p:txBody>
-      </p:sp>
-    </p:spTree>
-    <p:extLst>
-      <p:ext uri="{BB962C8B-B14F-4D97-AF65-F5344CB8AC3E}">
-        <p14:creationId xmlns:p14="http://schemas.microsoft.com/office/powerpoint/2010/main" val="4116981231"/>
-      </p:ext>
-    </p:extLst>
-  </p:cSld>
-  <p:clrMapOvr>
-    <a:masterClrMapping/>
-  </p:clrMapOvr>
-</p:sld>
-</file>
-
-<file path=ppt/slides/slide5.xml><?xml version="1.0" encoding="utf-8"?>
-<p:sld xmlns:a="http://schemas.openxmlformats.org/drawingml/2006/main" xmlns:r="http://schemas.openxmlformats.org/officeDocument/2006/relationships" xmlns:p="http://schemas.openxmlformats.org/presentationml/2006/main">
-  <p:cSld>
-    <p:spTree>
-      <p:nvGrpSpPr>
-        <p:cNvPr id="1" name=""/>
-        <p:cNvGrpSpPr/>
-        <p:nvPr/>
-      </p:nvGrpSpPr>
-      <p:grpSpPr>
-        <a:xfrm>
-          <a:off x="0" y="0"/>
-          <a:ext cx="0" cy="0"/>
-          <a:chOff x="0" y="0"/>
-          <a:chExt cx="0" cy="0"/>
-        </a:xfrm>
-      </p:grpSpPr>
-      <p:sp>
-        <p:nvSpPr>
-          <p:cNvPr id="19" name="Rectangle 11"/>
+          <p:cNvPr id="11" name="Rectangle 6"/>
           <p:cNvSpPr>
             <a:spLocks noGrp="1" noRot="1" noChangeAspect="1" noMove="1" noResize="1" noEditPoints="1" noAdjustHandles="1" noChangeArrowheads="1" noChangeShapeType="1" noTextEdit="1"/>
           </p:cNvSpPr>
@@ -8180,7 +7623,7 @@
       </p:sp>
       <p:sp>
         <p:nvSpPr>
-          <p:cNvPr id="13" name="Freeform 31"/>
+          <p:cNvPr id="12" name="Freeform 31"/>
           <p:cNvSpPr>
             <a:spLocks noGrp="1" noRot="1" noChangeAspect="1" noMove="1" noResize="1" noEditPoints="1" noAdjustHandles="1" noChangeArrowheads="1" noChangeShapeType="1" noTextEdit="1"/>
           </p:cNvSpPr>
@@ -8523,7 +7966,7 @@
       </p:sp>
       <p:sp>
         <p:nvSpPr>
-          <p:cNvPr id="14" name="Freeform 5"/>
+          <p:cNvPr id="13" name="Freeform 5"/>
           <p:cNvSpPr>
             <a:spLocks noGrp="1" noRot="1" noChangeAspect="1" noMove="1" noResize="1" noEditPoints="1" noAdjustHandles="1" noChangeArrowheads="1" noChangeShapeType="1" noTextEdit="1"/>
           </p:cNvSpPr>
@@ -8715,7 +8158,7 @@
       </p:sp>
       <p:pic>
         <p:nvPicPr>
-          <p:cNvPr id="5" name="內容版面配置區 4"/>
+          <p:cNvPr id="5" name="圖片 4"/>
           <p:cNvPicPr>
             <a:picLocks noChangeAspect="1"/>
           </p:cNvPicPr>
@@ -8729,8 +8172,8 @@
         </p:blipFill>
         <p:spPr>
           <a:xfrm>
-            <a:off x="7706416" y="647698"/>
-            <a:ext cx="2225040" cy="5562601"/>
+            <a:off x="6093992" y="1746346"/>
+            <a:ext cx="5449889" cy="3365305"/>
           </a:xfrm>
           <a:prstGeom prst="rect">
             <a:avLst/>
@@ -8740,7 +8183,7 @@
       </p:pic>
       <p:sp>
         <p:nvSpPr>
-          <p:cNvPr id="15" name="Rectangle 14"/>
+          <p:cNvPr id="14" name="Rectangle 9"/>
           <p:cNvSpPr>
             <a:spLocks noGrp="1" noRot="1" noChangeAspect="1" noMove="1" noResize="1" noEditPoints="1" noAdjustHandles="1" noChangeArrowheads="1" noChangeShapeType="1" noTextEdit="1"/>
           </p:cNvSpPr>
@@ -8806,12 +8249,9 @@
           <a:p>
             <a:r>
               <a:rPr lang="en-US" altLang="zh-TW" dirty="0"/>
-              <a:t>Bot Builder, Emulator </a:t>
-            </a:r>
-            <a:r>
-              <a:rPr lang="zh-TW" altLang="en-US" dirty="0"/>
-              <a:t>介紹</a:t>
-            </a:r>
+              <a:t>Hands-On Lab2</a:t>
+            </a:r>
+            <a:endParaRPr lang="zh-TW" altLang="en-US" dirty="0"/>
           </a:p>
         </p:txBody>
       </p:sp>
@@ -8838,24 +8278,24 @@
           <a:lstStyle/>
           <a:p>
             <a:r>
-              <a:rPr lang="zh-TW" altLang="en-US" dirty="0"/>
-              <a:t>這頁會介紹</a:t>
-            </a:r>
-            <a:r>
               <a:rPr lang="en-US" altLang="zh-TW" dirty="0"/>
-              <a:t>BOT BUILDER</a:t>
-            </a:r>
-            <a:r>
-              <a:rPr lang="zh-TW" altLang="en-US" dirty="0"/>
-              <a:t>包含了哪些模式</a:t>
-            </a:r>
-            <a:endParaRPr lang="en-US" altLang="zh-TW" dirty="0"/>
-          </a:p>
-          <a:p>
-            <a:r>
-              <a:rPr lang="zh-TW" altLang="en-US" dirty="0"/>
-              <a:t>可以使用。</a:t>
-            </a:r>
+              <a:t>Sandwich Bot</a:t>
+            </a:r>
+          </a:p>
+          <a:p>
+            <a:pPr lvl="1"/>
+            <a:r>
+              <a:rPr lang="en-US" altLang="zh-TW" dirty="0"/>
+              <a:t>Design a form flow.</a:t>
+            </a:r>
+          </a:p>
+          <a:p>
+            <a:pPr lvl="1"/>
+            <a:r>
+              <a:rPr lang="en-US" altLang="zh-TW" dirty="0"/>
+              <a:t>Design return message.</a:t>
+            </a:r>
+            <a:endParaRPr lang="zh-TW" altLang="en-US" dirty="0"/>
           </a:p>
         </p:txBody>
       </p:sp>
@@ -8878,7 +8318,7 @@
           <a:p>
             <a:fld id="{D466FAAA-B4AD-4AFB-AEBE-069464B45C14}" type="slidenum">
               <a:rPr lang="zh-TW" altLang="en-US" smtClean="0"/>
-              <a:t>5</a:t>
+              <a:t>13</a:t>
             </a:fld>
             <a:endParaRPr lang="zh-TW" altLang="en-US"/>
           </a:p>
@@ -8887,7 +8327,7 @@
     </p:spTree>
     <p:extLst>
       <p:ext uri="{BB962C8B-B14F-4D97-AF65-F5344CB8AC3E}">
-        <p14:creationId xmlns:p14="http://schemas.microsoft.com/office/powerpoint/2010/main" val="973527328"/>
+        <p14:creationId xmlns:p14="http://schemas.microsoft.com/office/powerpoint/2010/main" val="1929928842"/>
       </p:ext>
     </p:extLst>
   </p:cSld>
@@ -8897,7 +8337,7 @@
 </p:sld>
 </file>
 
-<file path=ppt/slides/slide6.xml><?xml version="1.0" encoding="utf-8"?>
+<file path=ppt/slides/slide14.xml><?xml version="1.0" encoding="utf-8"?>
 <p:sld xmlns:a="http://schemas.openxmlformats.org/drawingml/2006/main" xmlns:r="http://schemas.openxmlformats.org/officeDocument/2006/relationships" xmlns:p="http://schemas.openxmlformats.org/presentationml/2006/main">
   <p:cSld>
     <p:spTree>
@@ -8916,7 +8356,794 @@
       </p:grpSpPr>
       <p:sp>
         <p:nvSpPr>
-          <p:cNvPr id="11" name="Rectangle 10"/>
+          <p:cNvPr id="2" name="標題 1"/>
+          <p:cNvSpPr>
+            <a:spLocks noGrp="1"/>
+          </p:cNvSpPr>
+          <p:nvPr>
+            <p:ph type="title"/>
+          </p:nvPr>
+        </p:nvSpPr>
+        <p:spPr/>
+        <p:txBody>
+          <a:bodyPr/>
+          <a:lstStyle/>
+          <a:p>
+            <a:r>
+              <a:rPr lang="en-US" altLang="zh-TW" dirty="0"/>
+              <a:t>Breaks</a:t>
+            </a:r>
+            <a:endParaRPr lang="zh-TW" altLang="en-US" dirty="0"/>
+          </a:p>
+        </p:txBody>
+      </p:sp>
+      <p:sp>
+        <p:nvSpPr>
+          <p:cNvPr id="3" name="內容版面配置區 2"/>
+          <p:cNvSpPr>
+            <a:spLocks noGrp="1"/>
+          </p:cNvSpPr>
+          <p:nvPr>
+            <p:ph idx="1"/>
+          </p:nvPr>
+        </p:nvSpPr>
+        <p:spPr/>
+        <p:txBody>
+          <a:bodyPr/>
+          <a:lstStyle/>
+          <a:p>
+            <a:endParaRPr lang="zh-TW" altLang="en-US"/>
+          </a:p>
+        </p:txBody>
+      </p:sp>
+      <p:sp>
+        <p:nvSpPr>
+          <p:cNvPr id="4" name="投影片編號版面配置區 3"/>
+          <p:cNvSpPr>
+            <a:spLocks noGrp="1"/>
+          </p:cNvSpPr>
+          <p:nvPr>
+            <p:ph type="sldNum" sz="quarter" idx="12"/>
+          </p:nvPr>
+        </p:nvSpPr>
+        <p:spPr/>
+        <p:txBody>
+          <a:bodyPr/>
+          <a:lstStyle/>
+          <a:p>
+            <a:fld id="{D466FAAA-B4AD-4AFB-AEBE-069464B45C14}" type="slidenum">
+              <a:rPr lang="zh-TW" altLang="en-US" smtClean="0"/>
+              <a:t>14</a:t>
+            </a:fld>
+            <a:endParaRPr lang="zh-TW" altLang="en-US"/>
+          </a:p>
+        </p:txBody>
+      </p:sp>
+    </p:spTree>
+    <p:extLst>
+      <p:ext uri="{BB962C8B-B14F-4D97-AF65-F5344CB8AC3E}">
+        <p14:creationId xmlns:p14="http://schemas.microsoft.com/office/powerpoint/2010/main" val="3657379905"/>
+      </p:ext>
+    </p:extLst>
+  </p:cSld>
+  <p:clrMapOvr>
+    <a:masterClrMapping/>
+  </p:clrMapOvr>
+</p:sld>
+</file>
+
+<file path=ppt/slides/slide15.xml><?xml version="1.0" encoding="utf-8"?>
+<p:sld xmlns:a="http://schemas.openxmlformats.org/drawingml/2006/main" xmlns:r="http://schemas.openxmlformats.org/officeDocument/2006/relationships" xmlns:p="http://schemas.openxmlformats.org/presentationml/2006/main">
+  <p:cSld>
+    <p:spTree>
+      <p:nvGrpSpPr>
+        <p:cNvPr id="1" name=""/>
+        <p:cNvGrpSpPr/>
+        <p:nvPr/>
+      </p:nvGrpSpPr>
+      <p:grpSpPr>
+        <a:xfrm>
+          <a:off x="0" y="0"/>
+          <a:ext cx="0" cy="0"/>
+          <a:chOff x="0" y="0"/>
+          <a:chExt cx="0" cy="0"/>
+        </a:xfrm>
+      </p:grpSpPr>
+      <p:sp>
+        <p:nvSpPr>
+          <p:cNvPr id="2" name="標題 1"/>
+          <p:cNvSpPr>
+            <a:spLocks noGrp="1"/>
+          </p:cNvSpPr>
+          <p:nvPr>
+            <p:ph type="title"/>
+          </p:nvPr>
+        </p:nvSpPr>
+        <p:spPr/>
+        <p:txBody>
+          <a:bodyPr/>
+          <a:lstStyle/>
+          <a:p>
+            <a:r>
+              <a:rPr lang="en-US" altLang="zh-TW" dirty="0"/>
+              <a:t>Hands-On Lab3</a:t>
+            </a:r>
+            <a:endParaRPr lang="zh-TW" altLang="en-US" dirty="0"/>
+          </a:p>
+        </p:txBody>
+      </p:sp>
+      <p:sp>
+        <p:nvSpPr>
+          <p:cNvPr id="3" name="內容版面配置區 2"/>
+          <p:cNvSpPr>
+            <a:spLocks noGrp="1"/>
+          </p:cNvSpPr>
+          <p:nvPr>
+            <p:ph idx="1"/>
+          </p:nvPr>
+        </p:nvSpPr>
+        <p:spPr/>
+        <p:txBody>
+          <a:bodyPr/>
+          <a:lstStyle/>
+          <a:p>
+            <a:r>
+              <a:rPr lang="zh-TW" altLang="en-US" dirty="0"/>
+              <a:t>做出請假</a:t>
+            </a:r>
+            <a:r>
+              <a:rPr lang="en-US" altLang="zh-TW" dirty="0"/>
+              <a:t>Bot</a:t>
+            </a:r>
+          </a:p>
+          <a:p>
+            <a:pPr lvl="1"/>
+            <a:r>
+              <a:rPr lang="zh-TW" altLang="en-US" dirty="0"/>
+              <a:t>請假</a:t>
+            </a:r>
+            <a:endParaRPr lang="en-US" altLang="zh-TW" dirty="0"/>
+          </a:p>
+          <a:p>
+            <a:pPr lvl="1"/>
+            <a:r>
+              <a:rPr lang="zh-TW" altLang="en-US" dirty="0"/>
+              <a:t>查詢請假時數</a:t>
+            </a:r>
+          </a:p>
+        </p:txBody>
+      </p:sp>
+      <p:sp>
+        <p:nvSpPr>
+          <p:cNvPr id="4" name="投影片編號版面配置區 3"/>
+          <p:cNvSpPr>
+            <a:spLocks noGrp="1"/>
+          </p:cNvSpPr>
+          <p:nvPr>
+            <p:ph type="sldNum" sz="quarter" idx="12"/>
+          </p:nvPr>
+        </p:nvSpPr>
+        <p:spPr/>
+        <p:txBody>
+          <a:bodyPr/>
+          <a:lstStyle/>
+          <a:p>
+            <a:fld id="{D466FAAA-B4AD-4AFB-AEBE-069464B45C14}" type="slidenum">
+              <a:rPr lang="zh-TW" altLang="en-US" smtClean="0"/>
+              <a:t>15</a:t>
+            </a:fld>
+            <a:endParaRPr lang="zh-TW" altLang="en-US"/>
+          </a:p>
+        </p:txBody>
+      </p:sp>
+    </p:spTree>
+    <p:extLst>
+      <p:ext uri="{BB962C8B-B14F-4D97-AF65-F5344CB8AC3E}">
+        <p14:creationId xmlns:p14="http://schemas.microsoft.com/office/powerpoint/2010/main" val="2264714924"/>
+      </p:ext>
+    </p:extLst>
+  </p:cSld>
+  <p:clrMapOvr>
+    <a:masterClrMapping/>
+  </p:clrMapOvr>
+</p:sld>
+</file>
+
+<file path=ppt/slides/slide16.xml><?xml version="1.0" encoding="utf-8"?>
+<p:sld xmlns:a="http://schemas.openxmlformats.org/drawingml/2006/main" xmlns:r="http://schemas.openxmlformats.org/officeDocument/2006/relationships" xmlns:p="http://schemas.openxmlformats.org/presentationml/2006/main">
+  <p:cSld>
+    <p:spTree>
+      <p:nvGrpSpPr>
+        <p:cNvPr id="1" name=""/>
+        <p:cNvGrpSpPr/>
+        <p:nvPr/>
+      </p:nvGrpSpPr>
+      <p:grpSpPr>
+        <a:xfrm>
+          <a:off x="0" y="0"/>
+          <a:ext cx="0" cy="0"/>
+          <a:chOff x="0" y="0"/>
+          <a:chExt cx="0" cy="0"/>
+        </a:xfrm>
+      </p:grpSpPr>
+      <p:sp>
+        <p:nvSpPr>
+          <p:cNvPr id="2" name="標題 1"/>
+          <p:cNvSpPr>
+            <a:spLocks noGrp="1"/>
+          </p:cNvSpPr>
+          <p:nvPr>
+            <p:ph type="title"/>
+          </p:nvPr>
+        </p:nvSpPr>
+        <p:spPr/>
+        <p:txBody>
+          <a:bodyPr/>
+          <a:lstStyle/>
+          <a:p>
+            <a:r>
+              <a:rPr lang="en-US" altLang="zh-TW" dirty="0"/>
+              <a:t>References</a:t>
+            </a:r>
+            <a:endParaRPr lang="zh-TW" altLang="en-US" dirty="0"/>
+          </a:p>
+        </p:txBody>
+      </p:sp>
+      <p:sp>
+        <p:nvSpPr>
+          <p:cNvPr id="3" name="內容版面配置區 2"/>
+          <p:cNvSpPr>
+            <a:spLocks noGrp="1"/>
+          </p:cNvSpPr>
+          <p:nvPr>
+            <p:ph idx="1"/>
+          </p:nvPr>
+        </p:nvSpPr>
+        <p:spPr/>
+        <p:txBody>
+          <a:bodyPr/>
+          <a:lstStyle/>
+          <a:p>
+            <a:r>
+              <a:rPr lang="en-US" altLang="zh-TW" dirty="0"/>
+              <a:t>https://dev.botframework.com/</a:t>
+            </a:r>
+          </a:p>
+          <a:p>
+            <a:r>
+              <a:rPr lang="en-US" altLang="zh-TW" dirty="0">
+                <a:hlinkClick r:id="rId2"/>
+              </a:rPr>
+              <a:t>https://www.luis.ai/</a:t>
+            </a:r>
+            <a:endParaRPr lang="en-US" altLang="zh-TW" dirty="0">
+              <a:hlinkClick r:id="rId3"/>
+            </a:endParaRPr>
+          </a:p>
+          <a:p>
+            <a:r>
+              <a:rPr lang="en-US" altLang="zh-TW" dirty="0">
+                <a:hlinkClick r:id="rId3"/>
+              </a:rPr>
+              <a:t>https://ankitbko.github.io/2016/08/ChatBot-using-Microsoft-Bot-Framework-Part-1/</a:t>
+            </a:r>
+            <a:endParaRPr lang="en-US" altLang="zh-TW" dirty="0"/>
+          </a:p>
+          <a:p>
+            <a:r>
+              <a:rPr lang="en-US" altLang="zh-TW" dirty="0"/>
+              <a:t>http://www.codeproject.com/Articles/1106457/An-Introduction-to-the-Microsoft-Bot-Framework</a:t>
+            </a:r>
+            <a:endParaRPr lang="zh-TW" altLang="en-US" dirty="0"/>
+          </a:p>
+        </p:txBody>
+      </p:sp>
+      <p:sp>
+        <p:nvSpPr>
+          <p:cNvPr id="4" name="投影片編號版面配置區 3"/>
+          <p:cNvSpPr>
+            <a:spLocks noGrp="1"/>
+          </p:cNvSpPr>
+          <p:nvPr>
+            <p:ph type="sldNum" sz="quarter" idx="12"/>
+          </p:nvPr>
+        </p:nvSpPr>
+        <p:spPr/>
+        <p:txBody>
+          <a:bodyPr/>
+          <a:lstStyle/>
+          <a:p>
+            <a:fld id="{D466FAAA-B4AD-4AFB-AEBE-069464B45C14}" type="slidenum">
+              <a:rPr lang="zh-TW" altLang="en-US" smtClean="0"/>
+              <a:t>16</a:t>
+            </a:fld>
+            <a:endParaRPr lang="zh-TW" altLang="en-US"/>
+          </a:p>
+        </p:txBody>
+      </p:sp>
+    </p:spTree>
+    <p:extLst>
+      <p:ext uri="{BB962C8B-B14F-4D97-AF65-F5344CB8AC3E}">
+        <p14:creationId xmlns:p14="http://schemas.microsoft.com/office/powerpoint/2010/main" val="1094588371"/>
+      </p:ext>
+    </p:extLst>
+  </p:cSld>
+  <p:clrMapOvr>
+    <a:masterClrMapping/>
+  </p:clrMapOvr>
+</p:sld>
+</file>
+
+<file path=ppt/slides/slide17.xml><?xml version="1.0" encoding="utf-8"?>
+<p:sld xmlns:a="http://schemas.openxmlformats.org/drawingml/2006/main" xmlns:r="http://schemas.openxmlformats.org/officeDocument/2006/relationships" xmlns:p="http://schemas.openxmlformats.org/presentationml/2006/main">
+  <p:cSld>
+    <p:spTree>
+      <p:nvGrpSpPr>
+        <p:cNvPr id="1" name=""/>
+        <p:cNvGrpSpPr/>
+        <p:nvPr/>
+      </p:nvGrpSpPr>
+      <p:grpSpPr>
+        <a:xfrm>
+          <a:off x="0" y="0"/>
+          <a:ext cx="0" cy="0"/>
+          <a:chOff x="0" y="0"/>
+          <a:chExt cx="0" cy="0"/>
+        </a:xfrm>
+      </p:grpSpPr>
+      <p:sp>
+        <p:nvSpPr>
+          <p:cNvPr id="4" name="投影片編號版面配置區 3"/>
+          <p:cNvSpPr>
+            <a:spLocks noGrp="1"/>
+          </p:cNvSpPr>
+          <p:nvPr>
+            <p:ph type="sldNum" sz="quarter" idx="12"/>
+          </p:nvPr>
+        </p:nvSpPr>
+        <p:spPr/>
+        <p:txBody>
+          <a:bodyPr/>
+          <a:lstStyle/>
+          <a:p>
+            <a:fld id="{D466FAAA-B4AD-4AFB-AEBE-069464B45C14}" type="slidenum">
+              <a:rPr lang="zh-TW" altLang="en-US" smtClean="0"/>
+              <a:t>17</a:t>
+            </a:fld>
+            <a:endParaRPr lang="zh-TW" altLang="en-US"/>
+          </a:p>
+        </p:txBody>
+      </p:sp>
+      <p:sp>
+        <p:nvSpPr>
+          <p:cNvPr id="5" name="標題 1"/>
+          <p:cNvSpPr txBox="1">
+            <a:spLocks/>
+          </p:cNvSpPr>
+          <p:nvPr/>
+        </p:nvSpPr>
+        <p:spPr>
+          <a:xfrm>
+            <a:off x="646111" y="2700967"/>
+            <a:ext cx="9404723" cy="1400530"/>
+          </a:xfrm>
+          <a:prstGeom prst="rect">
+            <a:avLst/>
+          </a:prstGeom>
+        </p:spPr>
+        <p:txBody>
+          <a:bodyPr vert="horz" lIns="91440" tIns="45720" rIns="91440" bIns="45720" rtlCol="0" anchor="t">
+            <a:noAutofit/>
+          </a:bodyPr>
+          <a:lstStyle>
+            <a:lvl1pPr algn="l" defTabSz="457200" rtl="0" eaLnBrk="1" latinLnBrk="0" hangingPunct="1">
+              <a:spcBef>
+                <a:spcPct val="0"/>
+              </a:spcBef>
+              <a:buNone/>
+              <a:defRPr sz="4200" b="0" i="0" kern="1200">
+                <a:solidFill>
+                  <a:schemeClr val="tx2"/>
+                </a:solidFill>
+                <a:latin typeface="+mj-lt"/>
+                <a:ea typeface="+mj-ea"/>
+                <a:cs typeface="+mj-cs"/>
+              </a:defRPr>
+            </a:lvl1pPr>
+            <a:lvl2pPr eaLnBrk="1" hangingPunct="1">
+              <a:defRPr>
+                <a:solidFill>
+                  <a:schemeClr val="tx2"/>
+                </a:solidFill>
+              </a:defRPr>
+            </a:lvl2pPr>
+            <a:lvl3pPr eaLnBrk="1" hangingPunct="1">
+              <a:defRPr>
+                <a:solidFill>
+                  <a:schemeClr val="tx2"/>
+                </a:solidFill>
+              </a:defRPr>
+            </a:lvl3pPr>
+            <a:lvl4pPr eaLnBrk="1" hangingPunct="1">
+              <a:defRPr>
+                <a:solidFill>
+                  <a:schemeClr val="tx2"/>
+                </a:solidFill>
+              </a:defRPr>
+            </a:lvl4pPr>
+            <a:lvl5pPr eaLnBrk="1" hangingPunct="1">
+              <a:defRPr>
+                <a:solidFill>
+                  <a:schemeClr val="tx2"/>
+                </a:solidFill>
+              </a:defRPr>
+            </a:lvl5pPr>
+            <a:lvl6pPr eaLnBrk="1" hangingPunct="1">
+              <a:defRPr>
+                <a:solidFill>
+                  <a:schemeClr val="tx2"/>
+                </a:solidFill>
+              </a:defRPr>
+            </a:lvl6pPr>
+            <a:lvl7pPr eaLnBrk="1" hangingPunct="1">
+              <a:defRPr>
+                <a:solidFill>
+                  <a:schemeClr val="tx2"/>
+                </a:solidFill>
+              </a:defRPr>
+            </a:lvl7pPr>
+            <a:lvl8pPr eaLnBrk="1" hangingPunct="1">
+              <a:defRPr>
+                <a:solidFill>
+                  <a:schemeClr val="tx2"/>
+                </a:solidFill>
+              </a:defRPr>
+            </a:lvl8pPr>
+            <a:lvl9pPr eaLnBrk="1" hangingPunct="1">
+              <a:defRPr>
+                <a:solidFill>
+                  <a:schemeClr val="tx2"/>
+                </a:solidFill>
+              </a:defRPr>
+            </a:lvl9pPr>
+          </a:lstStyle>
+          <a:p>
+            <a:pPr algn="ctr"/>
+            <a:r>
+              <a:rPr lang="en-US" altLang="zh-TW" dirty="0"/>
+              <a:t>Q&amp;A</a:t>
+            </a:r>
+            <a:endParaRPr lang="zh-TW" altLang="en-US" dirty="0"/>
+          </a:p>
+        </p:txBody>
+      </p:sp>
+    </p:spTree>
+    <p:extLst>
+      <p:ext uri="{BB962C8B-B14F-4D97-AF65-F5344CB8AC3E}">
+        <p14:creationId xmlns:p14="http://schemas.microsoft.com/office/powerpoint/2010/main" val="1995766345"/>
+      </p:ext>
+    </p:extLst>
+  </p:cSld>
+  <p:clrMapOvr>
+    <a:masterClrMapping/>
+  </p:clrMapOvr>
+</p:sld>
+</file>
+
+<file path=ppt/slides/slide18.xml><?xml version="1.0" encoding="utf-8"?>
+<p:sld xmlns:a="http://schemas.openxmlformats.org/drawingml/2006/main" xmlns:r="http://schemas.openxmlformats.org/officeDocument/2006/relationships" xmlns:p="http://schemas.openxmlformats.org/presentationml/2006/main">
+  <p:cSld>
+    <p:spTree>
+      <p:nvGrpSpPr>
+        <p:cNvPr id="1" name=""/>
+        <p:cNvGrpSpPr/>
+        <p:nvPr/>
+      </p:nvGrpSpPr>
+      <p:grpSpPr>
+        <a:xfrm>
+          <a:off x="0" y="0"/>
+          <a:ext cx="0" cy="0"/>
+          <a:chOff x="0" y="0"/>
+          <a:chExt cx="0" cy="0"/>
+        </a:xfrm>
+      </p:grpSpPr>
+      <p:sp>
+        <p:nvSpPr>
+          <p:cNvPr id="2" name="標題 1"/>
+          <p:cNvSpPr>
+            <a:spLocks noGrp="1"/>
+          </p:cNvSpPr>
+          <p:nvPr>
+            <p:ph type="title"/>
+          </p:nvPr>
+        </p:nvSpPr>
+        <p:spPr/>
+        <p:txBody>
+          <a:bodyPr/>
+          <a:lstStyle/>
+          <a:p>
+            <a:r>
+              <a:rPr lang="en-US" altLang="zh-TW" dirty="0"/>
+              <a:t>See you next section!</a:t>
+            </a:r>
+            <a:endParaRPr lang="zh-TW" altLang="en-US" dirty="0"/>
+          </a:p>
+        </p:txBody>
+      </p:sp>
+      <p:sp>
+        <p:nvSpPr>
+          <p:cNvPr id="3" name="內容版面配置區 2"/>
+          <p:cNvSpPr>
+            <a:spLocks noGrp="1"/>
+          </p:cNvSpPr>
+          <p:nvPr>
+            <p:ph idx="1"/>
+          </p:nvPr>
+        </p:nvSpPr>
+        <p:spPr/>
+        <p:txBody>
+          <a:bodyPr/>
+          <a:lstStyle/>
+          <a:p>
+            <a:endParaRPr lang="zh-TW" altLang="en-US" dirty="0"/>
+          </a:p>
+        </p:txBody>
+      </p:sp>
+      <p:sp>
+        <p:nvSpPr>
+          <p:cNvPr id="4" name="投影片編號版面配置區 3"/>
+          <p:cNvSpPr>
+            <a:spLocks noGrp="1"/>
+          </p:cNvSpPr>
+          <p:nvPr>
+            <p:ph type="sldNum" sz="quarter" idx="12"/>
+          </p:nvPr>
+        </p:nvSpPr>
+        <p:spPr/>
+        <p:txBody>
+          <a:bodyPr/>
+          <a:lstStyle/>
+          <a:p>
+            <a:fld id="{D466FAAA-B4AD-4AFB-AEBE-069464B45C14}" type="slidenum">
+              <a:rPr lang="zh-TW" altLang="en-US" smtClean="0"/>
+              <a:t>18</a:t>
+            </a:fld>
+            <a:endParaRPr lang="zh-TW" altLang="en-US"/>
+          </a:p>
+        </p:txBody>
+      </p:sp>
+    </p:spTree>
+    <p:extLst>
+      <p:ext uri="{BB962C8B-B14F-4D97-AF65-F5344CB8AC3E}">
+        <p14:creationId xmlns:p14="http://schemas.microsoft.com/office/powerpoint/2010/main" val="945461146"/>
+      </p:ext>
+    </p:extLst>
+  </p:cSld>
+  <p:clrMapOvr>
+    <a:masterClrMapping/>
+  </p:clrMapOvr>
+</p:sld>
+</file>
+
+<file path=ppt/slides/slide2.xml><?xml version="1.0" encoding="utf-8"?>
+<p:sld xmlns:a="http://schemas.openxmlformats.org/drawingml/2006/main" xmlns:r="http://schemas.openxmlformats.org/officeDocument/2006/relationships" xmlns:p="http://schemas.openxmlformats.org/presentationml/2006/main">
+  <p:cSld>
+    <p:spTree>
+      <p:nvGrpSpPr>
+        <p:cNvPr id="1" name=""/>
+        <p:cNvGrpSpPr/>
+        <p:nvPr/>
+      </p:nvGrpSpPr>
+      <p:grpSpPr>
+        <a:xfrm>
+          <a:off x="0" y="0"/>
+          <a:ext cx="0" cy="0"/>
+          <a:chOff x="0" y="0"/>
+          <a:chExt cx="0" cy="0"/>
+        </a:xfrm>
+      </p:grpSpPr>
+      <p:sp>
+        <p:nvSpPr>
+          <p:cNvPr id="2" name="標題 1"/>
+          <p:cNvSpPr>
+            <a:spLocks noGrp="1"/>
+          </p:cNvSpPr>
+          <p:nvPr>
+            <p:ph type="title"/>
+          </p:nvPr>
+        </p:nvSpPr>
+        <p:spPr/>
+        <p:txBody>
+          <a:bodyPr/>
+          <a:lstStyle/>
+          <a:p>
+            <a:r>
+              <a:rPr lang="en-US" altLang="zh-TW" dirty="0"/>
+              <a:t>Outline</a:t>
+            </a:r>
+            <a:endParaRPr lang="zh-TW" altLang="en-US" dirty="0"/>
+          </a:p>
+        </p:txBody>
+      </p:sp>
+      <p:sp>
+        <p:nvSpPr>
+          <p:cNvPr id="3" name="內容版面配置區 2"/>
+          <p:cNvSpPr>
+            <a:spLocks noGrp="1"/>
+          </p:cNvSpPr>
+          <p:nvPr>
+            <p:ph idx="1"/>
+          </p:nvPr>
+        </p:nvSpPr>
+        <p:spPr/>
+        <p:txBody>
+          <a:bodyPr/>
+          <a:lstStyle/>
+          <a:p>
+            <a:r>
+              <a:rPr lang="en-US" altLang="zh-TW" dirty="0"/>
+              <a:t>09:30 ~ 10:30        Microsoft Bot Framework</a:t>
+            </a:r>
+            <a:r>
+              <a:rPr lang="zh-TW" altLang="en-US" dirty="0"/>
+              <a:t>相關概念介紹</a:t>
+            </a:r>
+          </a:p>
+          <a:p>
+            <a:r>
+              <a:rPr lang="en-US" altLang="zh-TW" dirty="0"/>
+              <a:t>10:45 ~ 12:00        Bot Builder, Emulator </a:t>
+            </a:r>
+            <a:r>
+              <a:rPr lang="zh-TW" altLang="en-US" dirty="0"/>
+              <a:t>介紹</a:t>
+            </a:r>
+          </a:p>
+          <a:p>
+            <a:r>
+              <a:rPr lang="en-US" altLang="zh-TW" dirty="0"/>
+              <a:t>12:00 ~ 13:00        </a:t>
+            </a:r>
+            <a:r>
+              <a:rPr lang="zh-TW" altLang="en-US" dirty="0"/>
+              <a:t>午餐</a:t>
+            </a:r>
+          </a:p>
+          <a:p>
+            <a:r>
+              <a:rPr lang="en-US" altLang="zh-TW" dirty="0"/>
+              <a:t>13:20 ~ 14:30        Hands-On Lab 1 :</a:t>
+            </a:r>
+            <a:r>
+              <a:rPr lang="zh-TW" altLang="en-US" dirty="0"/>
+              <a:t>介紹</a:t>
+            </a:r>
+            <a:r>
+              <a:rPr lang="en-US" altLang="zh-TW" dirty="0"/>
+              <a:t> </a:t>
+            </a:r>
+            <a:r>
+              <a:rPr lang="en-US" altLang="zh-TW" dirty="0" err="1"/>
+              <a:t>EchoBot</a:t>
+            </a:r>
+            <a:endParaRPr lang="zh-TW" altLang="en-US" dirty="0"/>
+          </a:p>
+          <a:p>
+            <a:r>
+              <a:rPr lang="en-US" altLang="zh-TW" dirty="0"/>
+              <a:t>14:30 ~ 15:30        Hands-On Lab 2</a:t>
+            </a:r>
+            <a:r>
+              <a:rPr lang="zh-TW" altLang="en-US" dirty="0"/>
+              <a:t>：介紹</a:t>
+            </a:r>
+            <a:r>
+              <a:rPr lang="en-US" altLang="zh-TW" dirty="0" err="1"/>
+              <a:t>SandwichBot</a:t>
+            </a:r>
+            <a:endParaRPr lang="zh-TW" altLang="en-US" dirty="0"/>
+          </a:p>
+          <a:p>
+            <a:r>
+              <a:rPr lang="en-US" altLang="zh-TW" dirty="0"/>
+              <a:t>15:30 ~ 16:00        Break</a:t>
+            </a:r>
+          </a:p>
+          <a:p>
+            <a:r>
+              <a:rPr lang="en-US" altLang="zh-TW" dirty="0"/>
+              <a:t>16:00 ~ 17:30        Hands-On Lab 3</a:t>
+            </a:r>
+            <a:r>
+              <a:rPr lang="zh-TW" altLang="en-US" dirty="0"/>
+              <a:t>：做出請假</a:t>
+            </a:r>
+            <a:r>
+              <a:rPr lang="en-US" altLang="zh-TW" dirty="0"/>
+              <a:t>Bot(1 </a:t>
+            </a:r>
+            <a:r>
+              <a:rPr lang="zh-TW" altLang="en-US" dirty="0"/>
+              <a:t>請假；</a:t>
+            </a:r>
+            <a:r>
+              <a:rPr lang="en-US" altLang="zh-TW" dirty="0"/>
+              <a:t>2 </a:t>
+            </a:r>
+            <a:r>
+              <a:rPr lang="zh-TW" altLang="en-US" dirty="0"/>
+              <a:t>查詢請假時數</a:t>
+            </a:r>
+            <a:r>
+              <a:rPr lang="en-US" altLang="zh-TW" dirty="0"/>
+              <a:t>)</a:t>
+            </a:r>
+          </a:p>
+          <a:p>
+            <a:r>
+              <a:rPr lang="en-US" altLang="zh-TW" dirty="0"/>
+              <a:t>17:30 ~ 18:00        Q &amp; A</a:t>
+            </a:r>
+            <a:endParaRPr lang="zh-TW" altLang="en-US" dirty="0"/>
+          </a:p>
+        </p:txBody>
+      </p:sp>
+      <p:sp>
+        <p:nvSpPr>
+          <p:cNvPr id="4" name="投影片編號版面配置區 3"/>
+          <p:cNvSpPr>
+            <a:spLocks noGrp="1"/>
+          </p:cNvSpPr>
+          <p:nvPr>
+            <p:ph type="sldNum" sz="quarter" idx="12"/>
+          </p:nvPr>
+        </p:nvSpPr>
+        <p:spPr/>
+        <p:txBody>
+          <a:bodyPr/>
+          <a:lstStyle/>
+          <a:p>
+            <a:fld id="{D466FAAA-B4AD-4AFB-AEBE-069464B45C14}" type="slidenum">
+              <a:rPr lang="zh-TW" altLang="en-US" smtClean="0"/>
+              <a:t>2</a:t>
+            </a:fld>
+            <a:endParaRPr lang="zh-TW" altLang="en-US"/>
+          </a:p>
+        </p:txBody>
+      </p:sp>
+    </p:spTree>
+    <p:extLst>
+      <p:ext uri="{BB962C8B-B14F-4D97-AF65-F5344CB8AC3E}">
+        <p14:creationId xmlns:p14="http://schemas.microsoft.com/office/powerpoint/2010/main" val="3225189852"/>
+      </p:ext>
+    </p:extLst>
+  </p:cSld>
+  <p:clrMapOvr>
+    <a:masterClrMapping/>
+  </p:clrMapOvr>
+</p:sld>
+</file>
+
+<file path=ppt/slides/slide3.xml><?xml version="1.0" encoding="utf-8"?>
+<p:sld xmlns:a="http://schemas.openxmlformats.org/drawingml/2006/main" xmlns:r="http://schemas.openxmlformats.org/officeDocument/2006/relationships" xmlns:p="http://schemas.openxmlformats.org/presentationml/2006/main">
+  <p:cSld>
+    <p:spTree>
+      <p:nvGrpSpPr>
+        <p:cNvPr id="1" name=""/>
+        <p:cNvGrpSpPr/>
+        <p:nvPr/>
+      </p:nvGrpSpPr>
+      <p:grpSpPr>
+        <a:xfrm>
+          <a:off x="0" y="0"/>
+          <a:ext cx="0" cy="0"/>
+          <a:chOff x="0" y="0"/>
+          <a:chExt cx="0" cy="0"/>
+        </a:xfrm>
+      </p:grpSpPr>
+      <p:sp>
+        <p:nvSpPr>
+          <p:cNvPr id="16" name="Rectangle 11"/>
           <p:cNvSpPr>
             <a:spLocks noGrp="1" noRot="1" noChangeAspect="1" noMove="1" noResize="1" noEditPoints="1" noAdjustHandles="1" noChangeArrowheads="1" noChangeShapeType="1" noTextEdit="1"/>
           </p:cNvSpPr>
@@ -8970,7 +9197,7 @@
       </p:sp>
       <p:sp>
         <p:nvSpPr>
-          <p:cNvPr id="12" name="Freeform 31"/>
+          <p:cNvPr id="17" name="Freeform 31"/>
           <p:cNvSpPr>
             <a:spLocks noGrp="1" noRot="1" noChangeAspect="1" noMove="1" noResize="1" noEditPoints="1" noAdjustHandles="1" noChangeArrowheads="1" noChangeShapeType="1" noTextEdit="1"/>
           </p:cNvSpPr>
@@ -9313,7 +9540,7 @@
       </p:sp>
       <p:sp>
         <p:nvSpPr>
-          <p:cNvPr id="13" name="Freeform 5"/>
+          <p:cNvPr id="18" name="Freeform 5"/>
           <p:cNvSpPr>
             <a:spLocks noGrp="1" noRot="1" noChangeAspect="1" noMove="1" noResize="1" noEditPoints="1" noAdjustHandles="1" noChangeArrowheads="1" noChangeShapeType="1" noTextEdit="1"/>
           </p:cNvSpPr>
@@ -9519,8 +9746,8 @@
         </p:blipFill>
         <p:spPr>
           <a:xfrm>
-            <a:off x="6093992" y="1378478"/>
-            <a:ext cx="5449889" cy="4101041"/>
+            <a:off x="6093992" y="2066526"/>
+            <a:ext cx="5449889" cy="2724944"/>
           </a:xfrm>
           <a:prstGeom prst="rect">
             <a:avLst/>
@@ -9530,7 +9757,7 @@
       </p:pic>
       <p:sp>
         <p:nvSpPr>
-          <p:cNvPr id="14" name="Rectangle 13"/>
+          <p:cNvPr id="19" name="Rectangle 14"/>
           <p:cNvSpPr>
             <a:spLocks noGrp="1" noRot="1" noChangeAspect="1" noMove="1" noResize="1" noEditPoints="1" noAdjustHandles="1" noChangeArrowheads="1" noChangeShapeType="1" noTextEdit="1"/>
           </p:cNvSpPr>
@@ -9594,11 +9821,19 @@
           </a:bodyPr>
           <a:lstStyle/>
           <a:p>
-            <a:r>
-              <a:rPr lang="en-US" altLang="zh-TW"/>
-              <a:t>Bot Framework Emulator</a:t>
-            </a:r>
-            <a:endParaRPr lang="zh-TW" altLang="en-US"/>
+            <a:pPr>
+              <a:lnSpc>
+                <a:spcPct val="80000"/>
+              </a:lnSpc>
+            </a:pPr>
+            <a:r>
+              <a:rPr lang="en-US" altLang="zh-TW" sz="3900" dirty="0"/>
+              <a:t>Microsoft Bot Framework</a:t>
+            </a:r>
+            <a:r>
+              <a:rPr lang="zh-TW" altLang="en-US" sz="3900" dirty="0"/>
+              <a:t>相關概念介紹</a:t>
+            </a:r>
           </a:p>
         </p:txBody>
       </p:sp>
@@ -9625,11 +9860,21 @@
           <a:lstStyle/>
           <a:p>
             <a:r>
-              <a:rPr lang="zh-TW" altLang="en-US" dirty="0"/>
-              <a:t>這頁會介紹它的介面、用法。</a:t>
-            </a:r>
-          </a:p>
-          <a:p>
+              <a:rPr lang="en-US" altLang="zh-TW" dirty="0"/>
+              <a:t>Bot Builder</a:t>
+            </a:r>
+          </a:p>
+          <a:p>
+            <a:r>
+              <a:rPr lang="en-US" altLang="zh-TW" dirty="0"/>
+              <a:t>Bot Connector</a:t>
+            </a:r>
+          </a:p>
+          <a:p>
+            <a:r>
+              <a:rPr lang="en-US" altLang="zh-TW" dirty="0"/>
+              <a:t>Bot Framework Emulator</a:t>
+            </a:r>
             <a:endParaRPr lang="zh-TW" altLang="en-US" dirty="0"/>
           </a:p>
         </p:txBody>
@@ -9653,7 +9898,7 @@
           <a:p>
             <a:fld id="{D466FAAA-B4AD-4AFB-AEBE-069464B45C14}" type="slidenum">
               <a:rPr lang="zh-TW" altLang="en-US" smtClean="0"/>
-              <a:t>6</a:t>
+              <a:t>3</a:t>
             </a:fld>
             <a:endParaRPr lang="zh-TW" altLang="en-US"/>
           </a:p>
@@ -9662,7 +9907,7 @@
     </p:spTree>
     <p:extLst>
       <p:ext uri="{BB962C8B-B14F-4D97-AF65-F5344CB8AC3E}">
-        <p14:creationId xmlns:p14="http://schemas.microsoft.com/office/powerpoint/2010/main" val="1991878485"/>
+        <p14:creationId xmlns:p14="http://schemas.microsoft.com/office/powerpoint/2010/main" val="867468034"/>
       </p:ext>
     </p:extLst>
   </p:cSld>
@@ -9672,7 +9917,7 @@
 </p:sld>
 </file>
 
-<file path=ppt/slides/slide7.xml><?xml version="1.0" encoding="utf-8"?>
+<file path=ppt/slides/slide4.xml><?xml version="1.0" encoding="utf-8"?>
 <p:sld xmlns:a="http://schemas.openxmlformats.org/drawingml/2006/main" xmlns:r="http://schemas.openxmlformats.org/officeDocument/2006/relationships" xmlns:p="http://schemas.openxmlformats.org/presentationml/2006/main">
   <p:cSld>
     <p:spTree>
@@ -9706,7 +9951,7 @@
           <a:p>
             <a:r>
               <a:rPr lang="en-US" altLang="zh-TW" dirty="0"/>
-              <a:t>Lunch time</a:t>
+              <a:t>Bot Builder</a:t>
             </a:r>
             <a:endParaRPr lang="zh-TW" altLang="en-US" dirty="0"/>
           </a:p>
@@ -9727,7 +9972,66 @@
           <a:bodyPr/>
           <a:lstStyle/>
           <a:p>
-            <a:endParaRPr lang="zh-TW" altLang="en-US" dirty="0"/>
+            <a:pPr marL="0" indent="0">
+              <a:buNone/>
+            </a:pPr>
+            <a:r>
+              <a:rPr lang="en-US" altLang="zh-TW" dirty="0"/>
+              <a:t>Microsoft Bot Builder is a powerful framework for constructing bots that can handle both freeform interactions and more guided ones where the possibilities are explicitly shown to the user. It is easy to use and leverages C# to provide a natural way to write bots.</a:t>
+            </a:r>
+          </a:p>
+          <a:p>
+            <a:r>
+              <a:rPr lang="en-US" altLang="zh-TW" dirty="0"/>
+              <a:t>C#.NET (</a:t>
+            </a:r>
+            <a:r>
+              <a:rPr lang="en-US" altLang="zh-TW" dirty="0" err="1">
+                <a:hlinkClick r:id="rId2"/>
+              </a:rPr>
+              <a:t>gotoLink</a:t>
+            </a:r>
+            <a:r>
+              <a:rPr lang="en-US" altLang="zh-TW" dirty="0"/>
+              <a:t>)</a:t>
+            </a:r>
+          </a:p>
+          <a:p>
+            <a:pPr lvl="1"/>
+            <a:r>
+              <a:rPr lang="en-US" altLang="zh-TW" dirty="0"/>
+              <a:t>Dialog</a:t>
+            </a:r>
+          </a:p>
+          <a:p>
+            <a:pPr lvl="1"/>
+            <a:r>
+              <a:rPr lang="en-US" altLang="zh-TW" dirty="0"/>
+              <a:t>Form Flow</a:t>
+            </a:r>
+          </a:p>
+          <a:p>
+            <a:pPr lvl="1"/>
+            <a:r>
+              <a:rPr lang="en-US" altLang="zh-TW" dirty="0"/>
+              <a:t>Language Understanding Intelligent Service (LUIS)</a:t>
+            </a:r>
+          </a:p>
+          <a:p>
+            <a:r>
+              <a:rPr lang="en-US" altLang="zh-TW" dirty="0"/>
+              <a:t>Node.js (</a:t>
+            </a:r>
+            <a:r>
+              <a:rPr lang="en-US" altLang="zh-TW" dirty="0" err="1">
+                <a:hlinkClick r:id="rId3"/>
+              </a:rPr>
+              <a:t>gotoLink</a:t>
+            </a:r>
+            <a:r>
+              <a:rPr lang="en-US" altLang="zh-TW" dirty="0"/>
+              <a:t>)</a:t>
+            </a:r>
           </a:p>
         </p:txBody>
       </p:sp>
@@ -9748,7 +10052,7 @@
           <a:p>
             <a:fld id="{D466FAAA-B4AD-4AFB-AEBE-069464B45C14}" type="slidenum">
               <a:rPr lang="zh-TW" altLang="en-US" smtClean="0"/>
-              <a:t>7</a:t>
+              <a:t>4</a:t>
             </a:fld>
             <a:endParaRPr lang="zh-TW" altLang="en-US"/>
           </a:p>
@@ -9757,7 +10061,7 @@
     </p:spTree>
     <p:extLst>
       <p:ext uri="{BB962C8B-B14F-4D97-AF65-F5344CB8AC3E}">
-        <p14:creationId xmlns:p14="http://schemas.microsoft.com/office/powerpoint/2010/main" val="613636715"/>
+        <p14:creationId xmlns:p14="http://schemas.microsoft.com/office/powerpoint/2010/main" val="3603903006"/>
       </p:ext>
     </p:extLst>
   </p:cSld>
@@ -9767,7 +10071,7 @@
 </p:sld>
 </file>
 
-<file path=ppt/slides/slide8.xml><?xml version="1.0" encoding="utf-8"?>
+<file path=ppt/slides/slide5.xml><?xml version="1.0" encoding="utf-8"?>
 <p:sld xmlns:a="http://schemas.openxmlformats.org/drawingml/2006/main" xmlns:r="http://schemas.openxmlformats.org/officeDocument/2006/relationships" xmlns:p="http://schemas.openxmlformats.org/presentationml/2006/main">
   <p:cSld>
     <p:spTree>
@@ -9786,7 +10090,7 @@
       </p:grpSpPr>
       <p:sp>
         <p:nvSpPr>
-          <p:cNvPr id="12" name="Rectangle 11"/>
+          <p:cNvPr id="11" name="Rectangle 6"/>
           <p:cNvSpPr>
             <a:spLocks noGrp="1" noRot="1" noChangeAspect="1" noMove="1" noResize="1" noEditPoints="1" noAdjustHandles="1" noChangeArrowheads="1" noChangeShapeType="1" noTextEdit="1"/>
           </p:cNvSpPr>
@@ -9840,7 +10144,7 @@
       </p:sp>
       <p:sp>
         <p:nvSpPr>
-          <p:cNvPr id="13" name="Freeform 31"/>
+          <p:cNvPr id="12" name="Freeform 31"/>
           <p:cNvSpPr>
             <a:spLocks noGrp="1" noRot="1" noChangeAspect="1" noMove="1" noResize="1" noEditPoints="1" noAdjustHandles="1" noChangeArrowheads="1" noChangeShapeType="1" noTextEdit="1"/>
           </p:cNvSpPr>
@@ -10183,7 +10487,7 @@
       </p:sp>
       <p:sp>
         <p:nvSpPr>
-          <p:cNvPr id="14" name="Freeform 5"/>
+          <p:cNvPr id="13" name="Freeform 5"/>
           <p:cNvSpPr>
             <a:spLocks noGrp="1" noRot="1" noChangeAspect="1" noMove="1" noResize="1" noEditPoints="1" noAdjustHandles="1" noChangeArrowheads="1" noChangeShapeType="1" noTextEdit="1"/>
           </p:cNvSpPr>
@@ -10381,15 +10685,16 @@
           </p:cNvPicPr>
           <p:nvPr/>
         </p:nvPicPr>
-        <p:blipFill rotWithShape="1">
+        <p:blipFill>
           <a:blip r:embed="rId2"/>
-          <a:srcRect/>
-          <a:stretch/>
+          <a:stretch>
+            <a:fillRect/>
+          </a:stretch>
         </p:blipFill>
         <p:spPr>
           <a:xfrm>
-            <a:off x="6093992" y="1001321"/>
-            <a:ext cx="5449889" cy="4855355"/>
+            <a:off x="6093992" y="996985"/>
+            <a:ext cx="5449889" cy="4864026"/>
           </a:xfrm>
           <a:prstGeom prst="rect">
             <a:avLst/>
@@ -10399,7 +10704,7 @@
       </p:pic>
       <p:sp>
         <p:nvSpPr>
-          <p:cNvPr id="15" name="Rectangle 14"/>
+          <p:cNvPr id="14" name="Rectangle 9"/>
           <p:cNvSpPr>
             <a:spLocks noGrp="1" noRot="1" noChangeAspect="1" noMove="1" noResize="1" noEditPoints="1" noAdjustHandles="1" noChangeArrowheads="1" noChangeShapeType="1" noTextEdit="1"/>
           </p:cNvSpPr>
@@ -10465,7 +10770,7 @@
           <a:p>
             <a:r>
               <a:rPr lang="en-US" altLang="zh-TW" dirty="0"/>
-              <a:t>Hands-On Lab1</a:t>
+              <a:t>Bot Builder .NET Dialog</a:t>
             </a:r>
             <a:endParaRPr lang="zh-TW" altLang="en-US" dirty="0"/>
           </a:p>
@@ -10493,24 +10798,1924 @@
           </a:bodyPr>
           <a:lstStyle/>
           <a:p>
-            <a:r>
-              <a:rPr lang="zh-TW" altLang="en-US" dirty="0"/>
-              <a:t>使用</a:t>
-            </a:r>
+            <a:endParaRPr lang="zh-TW" altLang="en-US" dirty="0"/>
+          </a:p>
+        </p:txBody>
+      </p:sp>
+      <p:sp>
+        <p:nvSpPr>
+          <p:cNvPr id="4" name="投影片編號版面配置區 3"/>
+          <p:cNvSpPr>
+            <a:spLocks noGrp="1"/>
+          </p:cNvSpPr>
+          <p:nvPr>
+            <p:ph type="sldNum" sz="quarter" idx="12"/>
+          </p:nvPr>
+        </p:nvSpPr>
+        <p:spPr/>
+        <p:txBody>
+          <a:bodyPr>
+            <a:normAutofit/>
+          </a:bodyPr>
+          <a:lstStyle/>
+          <a:p>
+            <a:fld id="{D466FAAA-B4AD-4AFB-AEBE-069464B45C14}" type="slidenum">
+              <a:rPr lang="zh-TW" altLang="en-US" smtClean="0"/>
+              <a:t>5</a:t>
+            </a:fld>
+            <a:endParaRPr lang="zh-TW" altLang="en-US"/>
+          </a:p>
+        </p:txBody>
+      </p:sp>
+    </p:spTree>
+    <p:extLst>
+      <p:ext uri="{BB962C8B-B14F-4D97-AF65-F5344CB8AC3E}">
+        <p14:creationId xmlns:p14="http://schemas.microsoft.com/office/powerpoint/2010/main" val="1144014980"/>
+      </p:ext>
+    </p:extLst>
+  </p:cSld>
+  <p:clrMapOvr>
+    <a:masterClrMapping/>
+  </p:clrMapOvr>
+</p:sld>
+</file>
+
+<file path=ppt/slides/slide6.xml><?xml version="1.0" encoding="utf-8"?>
+<p:sld xmlns:a="http://schemas.openxmlformats.org/drawingml/2006/main" xmlns:r="http://schemas.openxmlformats.org/officeDocument/2006/relationships" xmlns:p="http://schemas.openxmlformats.org/presentationml/2006/main">
+  <p:cSld>
+    <p:spTree>
+      <p:nvGrpSpPr>
+        <p:cNvPr id="1" name=""/>
+        <p:cNvGrpSpPr/>
+        <p:nvPr/>
+      </p:nvGrpSpPr>
+      <p:grpSpPr>
+        <a:xfrm>
+          <a:off x="0" y="0"/>
+          <a:ext cx="0" cy="0"/>
+          <a:chOff x="0" y="0"/>
+          <a:chExt cx="0" cy="0"/>
+        </a:xfrm>
+      </p:grpSpPr>
+      <p:sp>
+        <p:nvSpPr>
+          <p:cNvPr id="7" name="Rectangle 6"/>
+          <p:cNvSpPr>
+            <a:spLocks noGrp="1" noRot="1" noChangeAspect="1" noMove="1" noResize="1" noEditPoints="1" noAdjustHandles="1" noChangeArrowheads="1" noChangeShapeType="1" noTextEdit="1"/>
+          </p:cNvSpPr>
+          <p:nvPr>
+            <p:extLst>
+              <p:ext uri="{386F3935-93C4-4BCD-93E2-E3B085C9AB24}">
+                <p16:designElem xmlns:p16="http://schemas.microsoft.com/office/powerpoint/2015/main" val="1"/>
+              </p:ext>
+            </p:extLst>
+          </p:nvPr>
+        </p:nvSpPr>
+        <p:spPr>
+          <a:xfrm>
+            <a:off x="6093992" y="0"/>
+            <a:ext cx="6098427" cy="6858000"/>
+          </a:xfrm>
+          <a:prstGeom prst="rect">
+            <a:avLst/>
+          </a:prstGeom>
+          <a:solidFill>
+            <a:srgbClr val="FFFFFF"/>
+          </a:solidFill>
+          <a:ln>
+            <a:noFill/>
+          </a:ln>
+        </p:spPr>
+        <p:style>
+          <a:lnRef idx="2">
+            <a:schemeClr val="accent1">
+              <a:shade val="50000"/>
+            </a:schemeClr>
+          </a:lnRef>
+          <a:fillRef idx="1">
+            <a:schemeClr val="accent1"/>
+          </a:fillRef>
+          <a:effectRef idx="0">
+            <a:schemeClr val="accent1"/>
+          </a:effectRef>
+          <a:fontRef idx="minor">
+            <a:schemeClr val="lt1"/>
+          </a:fontRef>
+        </p:style>
+        <p:txBody>
+          <a:bodyPr rtlCol="0" anchor="ctr"/>
+          <a:lstStyle/>
+          <a:p>
+            <a:pPr algn="ctr"/>
+            <a:endParaRPr lang="en-US"/>
+          </a:p>
+        </p:txBody>
+      </p:sp>
+      <p:sp>
+        <p:nvSpPr>
+          <p:cNvPr id="8" name="Freeform 31"/>
+          <p:cNvSpPr>
+            <a:spLocks noGrp="1" noRot="1" noChangeAspect="1" noMove="1" noResize="1" noEditPoints="1" noAdjustHandles="1" noChangeArrowheads="1" noChangeShapeType="1" noTextEdit="1"/>
+          </p:cNvSpPr>
+          <p:nvPr>
+            <p:extLst>
+              <p:ext uri="{386F3935-93C4-4BCD-93E2-E3B085C9AB24}">
+                <p16:designElem xmlns:p16="http://schemas.microsoft.com/office/powerpoint/2015/main" val="1"/>
+              </p:ext>
+            </p:extLst>
+          </p:nvPr>
+        </p:nvSpPr>
+        <p:spPr>
+          <a:xfrm>
+            <a:off x="4994020" y="-1"/>
+            <a:ext cx="559472" cy="3709642"/>
+          </a:xfrm>
+          <a:custGeom>
+            <a:avLst/>
+            <a:gdLst>
+              <a:gd name="connsiteX0" fmla="*/ 0 w 559472"/>
+              <a:gd name="connsiteY0" fmla="*/ 0 h 3709642"/>
+              <a:gd name="connsiteX1" fmla="*/ 473952 w 559472"/>
+              <a:gd name="connsiteY1" fmla="*/ 0 h 3709642"/>
+              <a:gd name="connsiteX2" fmla="*/ 485840 w 559472"/>
+              <a:gd name="connsiteY2" fmla="*/ 161194 h 3709642"/>
+              <a:gd name="connsiteX3" fmla="*/ 523949 w 559472"/>
+              <a:gd name="connsiteY3" fmla="*/ 3672197 h 3709642"/>
+              <a:gd name="connsiteX4" fmla="*/ 454748 w 559472"/>
+              <a:gd name="connsiteY4" fmla="*/ 3709642 h 3709642"/>
+              <a:gd name="connsiteX5" fmla="*/ 448224 w 559472"/>
+              <a:gd name="connsiteY5" fmla="*/ 3510471 h 3709642"/>
+              <a:gd name="connsiteX6" fmla="*/ 443564 w 559472"/>
+              <a:gd name="connsiteY6" fmla="*/ 3408563 h 3709642"/>
+              <a:gd name="connsiteX7" fmla="*/ 438902 w 559472"/>
+              <a:gd name="connsiteY7" fmla="*/ 3304407 h 3709642"/>
+              <a:gd name="connsiteX8" fmla="*/ 433941 w 559472"/>
+              <a:gd name="connsiteY8" fmla="*/ 3198777 h 3709642"/>
+              <a:gd name="connsiteX9" fmla="*/ 427584 w 559472"/>
+              <a:gd name="connsiteY9" fmla="*/ 3092510 h 3709642"/>
+              <a:gd name="connsiteX10" fmla="*/ 420988 w 559472"/>
+              <a:gd name="connsiteY10" fmla="*/ 2984390 h 3709642"/>
+              <a:gd name="connsiteX11" fmla="*/ 414330 w 559472"/>
+              <a:gd name="connsiteY11" fmla="*/ 2874401 h 3709642"/>
+              <a:gd name="connsiteX12" fmla="*/ 406840 w 559472"/>
+              <a:gd name="connsiteY12" fmla="*/ 2762980 h 3709642"/>
+              <a:gd name="connsiteX13" fmla="*/ 397745 w 559472"/>
+              <a:gd name="connsiteY13" fmla="*/ 2650566 h 3709642"/>
+              <a:gd name="connsiteX14" fmla="*/ 389154 w 559472"/>
+              <a:gd name="connsiteY14" fmla="*/ 2536612 h 3709642"/>
+              <a:gd name="connsiteX15" fmla="*/ 379225 w 559472"/>
+              <a:gd name="connsiteY15" fmla="*/ 2421642 h 3709642"/>
+              <a:gd name="connsiteX16" fmla="*/ 368316 w 559472"/>
+              <a:gd name="connsiteY16" fmla="*/ 2305627 h 3709642"/>
+              <a:gd name="connsiteX17" fmla="*/ 357466 w 559472"/>
+              <a:gd name="connsiteY17" fmla="*/ 2189233 h 3709642"/>
+              <a:gd name="connsiteX18" fmla="*/ 344982 w 559472"/>
+              <a:gd name="connsiteY18" fmla="*/ 2071473 h 3709642"/>
+              <a:gd name="connsiteX19" fmla="*/ 332466 w 559472"/>
+              <a:gd name="connsiteY19" fmla="*/ 1952216 h 3709642"/>
+              <a:gd name="connsiteX20" fmla="*/ 319121 w 559472"/>
+              <a:gd name="connsiteY20" fmla="*/ 1833776 h 3709642"/>
+              <a:gd name="connsiteX21" fmla="*/ 304408 w 559472"/>
+              <a:gd name="connsiteY21" fmla="*/ 1713948 h 3709642"/>
+              <a:gd name="connsiteX22" fmla="*/ 288685 w 559472"/>
+              <a:gd name="connsiteY22" fmla="*/ 1592703 h 3709642"/>
+              <a:gd name="connsiteX23" fmla="*/ 273050 w 559472"/>
+              <a:gd name="connsiteY23" fmla="*/ 1471451 h 3709642"/>
+              <a:gd name="connsiteX24" fmla="*/ 255813 w 559472"/>
+              <a:gd name="connsiteY24" fmla="*/ 1350328 h 3709642"/>
+              <a:gd name="connsiteX25" fmla="*/ 237060 w 559472"/>
+              <a:gd name="connsiteY25" fmla="*/ 1227080 h 3709642"/>
+              <a:gd name="connsiteX26" fmla="*/ 218488 w 559472"/>
+              <a:gd name="connsiteY26" fmla="*/ 1106065 h 3709642"/>
+              <a:gd name="connsiteX27" fmla="*/ 198221 w 559472"/>
+              <a:gd name="connsiteY27" fmla="*/ 982940 h 3709642"/>
+              <a:gd name="connsiteX28" fmla="*/ 177152 w 559472"/>
+              <a:gd name="connsiteY28" fmla="*/ 858755 h 3709642"/>
+              <a:gd name="connsiteX29" fmla="*/ 155551 w 559472"/>
+              <a:gd name="connsiteY29" fmla="*/ 736861 h 3709642"/>
+              <a:gd name="connsiteX30" fmla="*/ 131782 w 559472"/>
+              <a:gd name="connsiteY30" fmla="*/ 613645 h 3709642"/>
+              <a:gd name="connsiteX31" fmla="*/ 107123 w 559472"/>
+              <a:gd name="connsiteY31" fmla="*/ 490500 h 3709642"/>
+              <a:gd name="connsiteX32" fmla="*/ 82552 w 559472"/>
+              <a:gd name="connsiteY32" fmla="*/ 367348 h 3709642"/>
+              <a:gd name="connsiteX33" fmla="*/ 55608 w 559472"/>
+              <a:gd name="connsiteY33" fmla="*/ 244762 h 3709642"/>
+              <a:gd name="connsiteX34" fmla="*/ 28130 w 559472"/>
+              <a:gd name="connsiteY34" fmla="*/ 122220 h 3709642"/>
+              <a:gd name="connsiteX35" fmla="*/ 0 w 559472"/>
+              <a:gd name="connsiteY35" fmla="*/ 0 h 3709642"/>
+            </a:gdLst>
+            <a:ahLst/>
+            <a:cxnLst>
+              <a:cxn ang="0">
+                <a:pos x="connsiteX0" y="connsiteY0"/>
+              </a:cxn>
+              <a:cxn ang="0">
+                <a:pos x="connsiteX1" y="connsiteY1"/>
+              </a:cxn>
+              <a:cxn ang="0">
+                <a:pos x="connsiteX2" y="connsiteY2"/>
+              </a:cxn>
+              <a:cxn ang="0">
+                <a:pos x="connsiteX3" y="connsiteY3"/>
+              </a:cxn>
+              <a:cxn ang="0">
+                <a:pos x="connsiteX4" y="connsiteY4"/>
+              </a:cxn>
+              <a:cxn ang="0">
+                <a:pos x="connsiteX5" y="connsiteY5"/>
+              </a:cxn>
+              <a:cxn ang="0">
+                <a:pos x="connsiteX6" y="connsiteY6"/>
+              </a:cxn>
+              <a:cxn ang="0">
+                <a:pos x="connsiteX7" y="connsiteY7"/>
+              </a:cxn>
+              <a:cxn ang="0">
+                <a:pos x="connsiteX8" y="connsiteY8"/>
+              </a:cxn>
+              <a:cxn ang="0">
+                <a:pos x="connsiteX9" y="connsiteY9"/>
+              </a:cxn>
+              <a:cxn ang="0">
+                <a:pos x="connsiteX10" y="connsiteY10"/>
+              </a:cxn>
+              <a:cxn ang="0">
+                <a:pos x="connsiteX11" y="connsiteY11"/>
+              </a:cxn>
+              <a:cxn ang="0">
+                <a:pos x="connsiteX12" y="connsiteY12"/>
+              </a:cxn>
+              <a:cxn ang="0">
+                <a:pos x="connsiteX13" y="connsiteY13"/>
+              </a:cxn>
+              <a:cxn ang="0">
+                <a:pos x="connsiteX14" y="connsiteY14"/>
+              </a:cxn>
+              <a:cxn ang="0">
+                <a:pos x="connsiteX15" y="connsiteY15"/>
+              </a:cxn>
+              <a:cxn ang="0">
+                <a:pos x="connsiteX16" y="connsiteY16"/>
+              </a:cxn>
+              <a:cxn ang="0">
+                <a:pos x="connsiteX17" y="connsiteY17"/>
+              </a:cxn>
+              <a:cxn ang="0">
+                <a:pos x="connsiteX18" y="connsiteY18"/>
+              </a:cxn>
+              <a:cxn ang="0">
+                <a:pos x="connsiteX19" y="connsiteY19"/>
+              </a:cxn>
+              <a:cxn ang="0">
+                <a:pos x="connsiteX20" y="connsiteY20"/>
+              </a:cxn>
+              <a:cxn ang="0">
+                <a:pos x="connsiteX21" y="connsiteY21"/>
+              </a:cxn>
+              <a:cxn ang="0">
+                <a:pos x="connsiteX22" y="connsiteY22"/>
+              </a:cxn>
+              <a:cxn ang="0">
+                <a:pos x="connsiteX23" y="connsiteY23"/>
+              </a:cxn>
+              <a:cxn ang="0">
+                <a:pos x="connsiteX24" y="connsiteY24"/>
+              </a:cxn>
+              <a:cxn ang="0">
+                <a:pos x="connsiteX25" y="connsiteY25"/>
+              </a:cxn>
+              <a:cxn ang="0">
+                <a:pos x="connsiteX26" y="connsiteY26"/>
+              </a:cxn>
+              <a:cxn ang="0">
+                <a:pos x="connsiteX27" y="connsiteY27"/>
+              </a:cxn>
+              <a:cxn ang="0">
+                <a:pos x="connsiteX28" y="connsiteY28"/>
+              </a:cxn>
+              <a:cxn ang="0">
+                <a:pos x="connsiteX29" y="connsiteY29"/>
+              </a:cxn>
+              <a:cxn ang="0">
+                <a:pos x="connsiteX30" y="connsiteY30"/>
+              </a:cxn>
+              <a:cxn ang="0">
+                <a:pos x="connsiteX31" y="connsiteY31"/>
+              </a:cxn>
+              <a:cxn ang="0">
+                <a:pos x="connsiteX32" y="connsiteY32"/>
+              </a:cxn>
+              <a:cxn ang="0">
+                <a:pos x="connsiteX33" y="connsiteY33"/>
+              </a:cxn>
+              <a:cxn ang="0">
+                <a:pos x="connsiteX34" y="connsiteY34"/>
+              </a:cxn>
+              <a:cxn ang="0">
+                <a:pos x="connsiteX35" y="connsiteY35"/>
+              </a:cxn>
+            </a:cxnLst>
+            <a:rect l="l" t="t" r="r" b="b"/>
+            <a:pathLst>
+              <a:path w="559472" h="3709642">
+                <a:moveTo>
+                  <a:pt x="0" y="0"/>
+                </a:moveTo>
+                <a:lnTo>
+                  <a:pt x="473952" y="0"/>
+                </a:lnTo>
+                <a:lnTo>
+                  <a:pt x="485840" y="161194"/>
+                </a:lnTo>
+                <a:cubicBezTo>
+                  <a:pt x="552063" y="1147770"/>
+                  <a:pt x="592441" y="3086737"/>
+                  <a:pt x="523949" y="3672197"/>
+                </a:cubicBezTo>
+                <a:cubicBezTo>
+                  <a:pt x="500842" y="3684557"/>
+                  <a:pt x="477855" y="3697282"/>
+                  <a:pt x="454748" y="3709642"/>
+                </a:cubicBezTo>
+                <a:lnTo>
+                  <a:pt x="448224" y="3510471"/>
+                </a:lnTo>
+                <a:lnTo>
+                  <a:pt x="443564" y="3408563"/>
+                </a:lnTo>
+                <a:lnTo>
+                  <a:pt x="438902" y="3304407"/>
+                </a:lnTo>
+                <a:lnTo>
+                  <a:pt x="433941" y="3198777"/>
+                </a:lnTo>
+                <a:lnTo>
+                  <a:pt x="427584" y="3092510"/>
+                </a:lnTo>
+                <a:lnTo>
+                  <a:pt x="420988" y="2984390"/>
+                </a:lnTo>
+                <a:lnTo>
+                  <a:pt x="414330" y="2874401"/>
+                </a:lnTo>
+                <a:lnTo>
+                  <a:pt x="406840" y="2762980"/>
+                </a:lnTo>
+                <a:lnTo>
+                  <a:pt x="397745" y="2650566"/>
+                </a:lnTo>
+                <a:lnTo>
+                  <a:pt x="389154" y="2536612"/>
+                </a:lnTo>
+                <a:lnTo>
+                  <a:pt x="379225" y="2421642"/>
+                </a:lnTo>
+                <a:lnTo>
+                  <a:pt x="368316" y="2305627"/>
+                </a:lnTo>
+                <a:lnTo>
+                  <a:pt x="357466" y="2189233"/>
+                </a:lnTo>
+                <a:lnTo>
+                  <a:pt x="344982" y="2071473"/>
+                </a:lnTo>
+                <a:lnTo>
+                  <a:pt x="332466" y="1952216"/>
+                </a:lnTo>
+                <a:lnTo>
+                  <a:pt x="319121" y="1833776"/>
+                </a:lnTo>
+                <a:lnTo>
+                  <a:pt x="304408" y="1713948"/>
+                </a:lnTo>
+                <a:lnTo>
+                  <a:pt x="288685" y="1592703"/>
+                </a:lnTo>
+                <a:lnTo>
+                  <a:pt x="273050" y="1471451"/>
+                </a:lnTo>
+                <a:lnTo>
+                  <a:pt x="255813" y="1350328"/>
+                </a:lnTo>
+                <a:lnTo>
+                  <a:pt x="237060" y="1227080"/>
+                </a:lnTo>
+                <a:lnTo>
+                  <a:pt x="218488" y="1106065"/>
+                </a:lnTo>
+                <a:lnTo>
+                  <a:pt x="198221" y="982940"/>
+                </a:lnTo>
+                <a:lnTo>
+                  <a:pt x="177152" y="858755"/>
+                </a:lnTo>
+                <a:lnTo>
+                  <a:pt x="155551" y="736861"/>
+                </a:lnTo>
+                <a:lnTo>
+                  <a:pt x="131782" y="613645"/>
+                </a:lnTo>
+                <a:lnTo>
+                  <a:pt x="107123" y="490500"/>
+                </a:lnTo>
+                <a:lnTo>
+                  <a:pt x="82552" y="367348"/>
+                </a:lnTo>
+                <a:lnTo>
+                  <a:pt x="55608" y="244762"/>
+                </a:lnTo>
+                <a:lnTo>
+                  <a:pt x="28130" y="122220"/>
+                </a:lnTo>
+                <a:lnTo>
+                  <a:pt x="0" y="0"/>
+                </a:lnTo>
+                <a:close/>
+              </a:path>
+            </a:pathLst>
+          </a:custGeom>
+          <a:solidFill>
+            <a:schemeClr val="tx1">
+              <a:alpha val="20000"/>
+            </a:schemeClr>
+          </a:solidFill>
+          <a:ln>
+            <a:noFill/>
+          </a:ln>
+        </p:spPr>
+        <p:txBody>
+          <a:bodyPr rtlCol="0" anchor="ctr"/>
+          <a:lstStyle/>
+          <a:p>
+            <a:pPr algn="ctr"/>
+            <a:endParaRPr lang="en-US"/>
+          </a:p>
+        </p:txBody>
+      </p:sp>
+      <p:sp>
+        <p:nvSpPr>
+          <p:cNvPr id="9" name="Freeform 5"/>
+          <p:cNvSpPr>
+            <a:spLocks noGrp="1" noRot="1" noChangeAspect="1" noMove="1" noResize="1" noEditPoints="1" noAdjustHandles="1" noChangeArrowheads="1" noChangeShapeType="1" noTextEdit="1"/>
+          </p:cNvSpPr>
+          <p:nvPr>
+            <p:extLst>
+              <p:ext uri="{386F3935-93C4-4BCD-93E2-E3B085C9AB24}">
+                <p16:designElem xmlns:p16="http://schemas.microsoft.com/office/powerpoint/2015/main" val="1"/>
+              </p:ext>
+            </p:extLst>
+          </p:nvPr>
+        </p:nvSpPr>
+        <p:spPr bwMode="gray">
+          <a:xfrm rot="16200000">
+            <a:off x="2450577" y="2756642"/>
+            <a:ext cx="6858000" cy="1344715"/>
+          </a:xfrm>
+          <a:custGeom>
+            <a:avLst/>
+            <a:gdLst/>
+            <a:ahLst/>
+            <a:cxnLst/>
+            <a:rect l="l" t="t" r="r" b="b"/>
+            <a:pathLst>
+              <a:path w="10000" h="8000">
+                <a:moveTo>
+                  <a:pt x="0" y="0"/>
+                </a:moveTo>
+                <a:lnTo>
+                  <a:pt x="0" y="7970"/>
+                </a:lnTo>
+                <a:lnTo>
+                  <a:pt x="10000" y="8000"/>
+                </a:lnTo>
+                <a:lnTo>
+                  <a:pt x="10000" y="7"/>
+                </a:lnTo>
+                <a:lnTo>
+                  <a:pt x="10000" y="7"/>
+                </a:lnTo>
+                <a:lnTo>
+                  <a:pt x="9773" y="156"/>
+                </a:lnTo>
+                <a:lnTo>
+                  <a:pt x="9547" y="298"/>
+                </a:lnTo>
+                <a:lnTo>
+                  <a:pt x="9320" y="437"/>
+                </a:lnTo>
+                <a:lnTo>
+                  <a:pt x="9092" y="556"/>
+                </a:lnTo>
+                <a:lnTo>
+                  <a:pt x="8865" y="676"/>
+                </a:lnTo>
+                <a:lnTo>
+                  <a:pt x="8637" y="788"/>
+                </a:lnTo>
+                <a:lnTo>
+                  <a:pt x="8412" y="884"/>
+                </a:lnTo>
+                <a:lnTo>
+                  <a:pt x="8184" y="975"/>
+                </a:lnTo>
+                <a:lnTo>
+                  <a:pt x="7957" y="1058"/>
+                </a:lnTo>
+                <a:lnTo>
+                  <a:pt x="7734" y="1130"/>
+                </a:lnTo>
+                <a:lnTo>
+                  <a:pt x="7508" y="1202"/>
+                </a:lnTo>
+                <a:lnTo>
+                  <a:pt x="7285" y="1262"/>
+                </a:lnTo>
+                <a:lnTo>
+                  <a:pt x="7062" y="1309"/>
+                </a:lnTo>
+                <a:lnTo>
+                  <a:pt x="6840" y="1358"/>
+                </a:lnTo>
+                <a:lnTo>
+                  <a:pt x="6620" y="1399"/>
+                </a:lnTo>
+                <a:lnTo>
+                  <a:pt x="6402" y="1428"/>
+                </a:lnTo>
+                <a:lnTo>
+                  <a:pt x="6184" y="1453"/>
+                </a:lnTo>
+                <a:lnTo>
+                  <a:pt x="5968" y="1477"/>
+                </a:lnTo>
+                <a:lnTo>
+                  <a:pt x="5755" y="1488"/>
+                </a:lnTo>
+                <a:lnTo>
+                  <a:pt x="5542" y="1500"/>
+                </a:lnTo>
+                <a:lnTo>
+                  <a:pt x="5332" y="1506"/>
+                </a:lnTo>
+                <a:lnTo>
+                  <a:pt x="5124" y="1500"/>
+                </a:lnTo>
+                <a:lnTo>
+                  <a:pt x="4918" y="1500"/>
+                </a:lnTo>
+                <a:lnTo>
+                  <a:pt x="4714" y="1488"/>
+                </a:lnTo>
+                <a:lnTo>
+                  <a:pt x="4514" y="1470"/>
+                </a:lnTo>
+                <a:lnTo>
+                  <a:pt x="4316" y="1453"/>
+                </a:lnTo>
+                <a:lnTo>
+                  <a:pt x="4122" y="1434"/>
+                </a:lnTo>
+                <a:lnTo>
+                  <a:pt x="3929" y="1405"/>
+                </a:lnTo>
+                <a:lnTo>
+                  <a:pt x="3739" y="1374"/>
+                </a:lnTo>
+                <a:lnTo>
+                  <a:pt x="3553" y="1346"/>
+                </a:lnTo>
+                <a:lnTo>
+                  <a:pt x="3190" y="1267"/>
+                </a:lnTo>
+                <a:lnTo>
+                  <a:pt x="2842" y="1183"/>
+                </a:lnTo>
+                <a:lnTo>
+                  <a:pt x="2508" y="1095"/>
+                </a:lnTo>
+                <a:lnTo>
+                  <a:pt x="2192" y="998"/>
+                </a:lnTo>
+                <a:lnTo>
+                  <a:pt x="1890" y="897"/>
+                </a:lnTo>
+                <a:lnTo>
+                  <a:pt x="1610" y="788"/>
+                </a:lnTo>
+                <a:lnTo>
+                  <a:pt x="1347" y="681"/>
+                </a:lnTo>
+                <a:lnTo>
+                  <a:pt x="1105" y="574"/>
+                </a:lnTo>
+                <a:lnTo>
+                  <a:pt x="883" y="473"/>
+                </a:lnTo>
+                <a:lnTo>
+                  <a:pt x="686" y="377"/>
+                </a:lnTo>
+                <a:lnTo>
+                  <a:pt x="508" y="286"/>
+                </a:lnTo>
+                <a:lnTo>
+                  <a:pt x="358" y="210"/>
+                </a:lnTo>
+                <a:lnTo>
+                  <a:pt x="232" y="138"/>
+                </a:lnTo>
+                <a:lnTo>
+                  <a:pt x="59" y="35"/>
+                </a:lnTo>
+                <a:lnTo>
+                  <a:pt x="0" y="0"/>
+                </a:lnTo>
+                <a:lnTo>
+                  <a:pt x="0" y="0"/>
+                </a:lnTo>
+                <a:close/>
+              </a:path>
+            </a:pathLst>
+          </a:custGeom>
+          <a:solidFill>
+            <a:srgbClr val="FFFFFF"/>
+          </a:solidFill>
+          <a:ln>
+            <a:noFill/>
+          </a:ln>
+        </p:spPr>
+      </p:sp>
+      <p:pic>
+        <p:nvPicPr>
+          <p:cNvPr id="5" name="圖片 4"/>
+          <p:cNvPicPr>
+            <a:picLocks noChangeAspect="1"/>
+          </p:cNvPicPr>
+          <p:nvPr/>
+        </p:nvPicPr>
+        <p:blipFill>
+          <a:blip r:embed="rId2"/>
+          <a:stretch>
+            <a:fillRect/>
+          </a:stretch>
+        </p:blipFill>
+        <p:spPr>
+          <a:xfrm>
+            <a:off x="6906792" y="647698"/>
+            <a:ext cx="3824288" cy="5562601"/>
+          </a:xfrm>
+          <a:prstGeom prst="rect">
+            <a:avLst/>
+          </a:prstGeom>
+          <a:effectLst/>
+        </p:spPr>
+      </p:pic>
+      <p:sp>
+        <p:nvSpPr>
+          <p:cNvPr id="10" name="Rectangle 9"/>
+          <p:cNvSpPr>
+            <a:spLocks noGrp="1" noRot="1" noChangeAspect="1" noMove="1" noResize="1" noEditPoints="1" noAdjustHandles="1" noChangeArrowheads="1" noChangeShapeType="1" noTextEdit="1"/>
+          </p:cNvSpPr>
+          <p:nvPr>
+            <p:extLst>
+              <p:ext uri="{386F3935-93C4-4BCD-93E2-E3B085C9AB24}">
+                <p16:designElem xmlns:p16="http://schemas.microsoft.com/office/powerpoint/2015/main" val="1"/>
+              </p:ext>
+            </p:extLst>
+          </p:nvPr>
+        </p:nvSpPr>
+        <p:spPr>
+          <a:xfrm>
+            <a:off x="10442448" y="0"/>
+            <a:ext cx="685800" cy="1143000"/>
+          </a:xfrm>
+          <a:prstGeom prst="rect">
+            <a:avLst/>
+          </a:prstGeom>
+          <a:solidFill>
+            <a:schemeClr val="accent1"/>
+          </a:solidFill>
+          <a:ln>
+            <a:noFill/>
+          </a:ln>
+        </p:spPr>
+        <p:style>
+          <a:lnRef idx="1">
+            <a:schemeClr val="accent1"/>
+          </a:lnRef>
+          <a:fillRef idx="3">
+            <a:schemeClr val="accent1"/>
+          </a:fillRef>
+          <a:effectRef idx="2">
+            <a:schemeClr val="accent1"/>
+          </a:effectRef>
+          <a:fontRef idx="minor">
+            <a:schemeClr val="lt1"/>
+          </a:fontRef>
+        </p:style>
+      </p:sp>
+      <p:sp>
+        <p:nvSpPr>
+          <p:cNvPr id="2" name="標題 1"/>
+          <p:cNvSpPr>
+            <a:spLocks noGrp="1"/>
+          </p:cNvSpPr>
+          <p:nvPr>
+            <p:ph type="title"/>
+          </p:nvPr>
+        </p:nvSpPr>
+        <p:spPr>
+          <a:xfrm>
+            <a:off x="648931" y="629266"/>
+            <a:ext cx="4166510" cy="1622321"/>
+          </a:xfrm>
+        </p:spPr>
+        <p:txBody>
+          <a:bodyPr>
+            <a:normAutofit/>
+          </a:bodyPr>
+          <a:lstStyle/>
+          <a:p>
             <a:r>
               <a:rPr lang="en-US" altLang="zh-TW" dirty="0"/>
-              <a:t>Bot Builder</a:t>
-            </a:r>
-            <a:r>
-              <a:rPr lang="zh-TW" altLang="en-US" dirty="0"/>
-              <a:t>接收訊息</a:t>
+              <a:t>Bot Builder .NET Form flow</a:t>
+            </a:r>
+            <a:endParaRPr lang="zh-TW" altLang="en-US" dirty="0"/>
+          </a:p>
+        </p:txBody>
+      </p:sp>
+      <p:sp>
+        <p:nvSpPr>
+          <p:cNvPr id="3" name="內容版面配置區 2"/>
+          <p:cNvSpPr>
+            <a:spLocks noGrp="1"/>
+          </p:cNvSpPr>
+          <p:nvPr>
+            <p:ph idx="1"/>
+          </p:nvPr>
+        </p:nvSpPr>
+        <p:spPr>
+          <a:xfrm>
+            <a:off x="648931" y="2438400"/>
+            <a:ext cx="4166509" cy="3785419"/>
+          </a:xfrm>
+        </p:spPr>
+        <p:txBody>
+          <a:bodyPr>
+            <a:normAutofit/>
+          </a:bodyPr>
+          <a:lstStyle/>
+          <a:p>
+            <a:endParaRPr lang="zh-TW" altLang="en-US" dirty="0"/>
+          </a:p>
+        </p:txBody>
+      </p:sp>
+      <p:sp>
+        <p:nvSpPr>
+          <p:cNvPr id="4" name="投影片編號版面配置區 3"/>
+          <p:cNvSpPr>
+            <a:spLocks noGrp="1"/>
+          </p:cNvSpPr>
+          <p:nvPr>
+            <p:ph type="sldNum" sz="quarter" idx="12"/>
+          </p:nvPr>
+        </p:nvSpPr>
+        <p:spPr/>
+        <p:txBody>
+          <a:bodyPr>
+            <a:normAutofit/>
+          </a:bodyPr>
+          <a:lstStyle/>
+          <a:p>
+            <a:fld id="{D466FAAA-B4AD-4AFB-AEBE-069464B45C14}" type="slidenum">
+              <a:rPr lang="zh-TW" altLang="en-US" smtClean="0"/>
+              <a:t>6</a:t>
+            </a:fld>
+            <a:endParaRPr lang="zh-TW" altLang="en-US"/>
+          </a:p>
+        </p:txBody>
+      </p:sp>
+    </p:spTree>
+    <p:extLst>
+      <p:ext uri="{BB962C8B-B14F-4D97-AF65-F5344CB8AC3E}">
+        <p14:creationId xmlns:p14="http://schemas.microsoft.com/office/powerpoint/2010/main" val="354659489"/>
+      </p:ext>
+    </p:extLst>
+  </p:cSld>
+  <p:clrMapOvr>
+    <a:masterClrMapping/>
+  </p:clrMapOvr>
+</p:sld>
+</file>
+
+<file path=ppt/slides/slide7.xml><?xml version="1.0" encoding="utf-8"?>
+<p:sld xmlns:a="http://schemas.openxmlformats.org/drawingml/2006/main" xmlns:r="http://schemas.openxmlformats.org/officeDocument/2006/relationships" xmlns:p="http://schemas.openxmlformats.org/presentationml/2006/main">
+  <p:cSld>
+    <p:spTree>
+      <p:nvGrpSpPr>
+        <p:cNvPr id="1" name=""/>
+        <p:cNvGrpSpPr/>
+        <p:nvPr/>
+      </p:nvGrpSpPr>
+      <p:grpSpPr>
+        <a:xfrm>
+          <a:off x="0" y="0"/>
+          <a:ext cx="0" cy="0"/>
+          <a:chOff x="0" y="0"/>
+          <a:chExt cx="0" cy="0"/>
+        </a:xfrm>
+      </p:grpSpPr>
+      <p:sp>
+        <p:nvSpPr>
+          <p:cNvPr id="2" name="標題 1"/>
+          <p:cNvSpPr>
+            <a:spLocks noGrp="1"/>
+          </p:cNvSpPr>
+          <p:nvPr>
+            <p:ph type="title"/>
+          </p:nvPr>
+        </p:nvSpPr>
+        <p:spPr/>
+        <p:txBody>
+          <a:bodyPr/>
+          <a:lstStyle/>
+          <a:p>
+            <a:r>
+              <a:rPr lang="en-US" altLang="zh-TW" sz="3600" dirty="0"/>
+              <a:t>Bot Builder .NET LUIS</a:t>
+            </a:r>
+            <a:endParaRPr lang="zh-TW" altLang="en-US" sz="3600" dirty="0"/>
+          </a:p>
+        </p:txBody>
+      </p:sp>
+      <p:sp>
+        <p:nvSpPr>
+          <p:cNvPr id="3" name="內容版面配置區 2"/>
+          <p:cNvSpPr>
+            <a:spLocks noGrp="1"/>
+          </p:cNvSpPr>
+          <p:nvPr>
+            <p:ph idx="1"/>
+          </p:nvPr>
+        </p:nvSpPr>
+        <p:spPr>
+          <a:xfrm>
+            <a:off x="1103312" y="2052918"/>
+            <a:ext cx="8946541" cy="1508989"/>
+          </a:xfrm>
+        </p:spPr>
+        <p:txBody>
+          <a:bodyPr/>
+          <a:lstStyle/>
+          <a:p>
+            <a:r>
+              <a:rPr lang="en-US" altLang="zh-TW" dirty="0"/>
+              <a:t>Create language understanding models.</a:t>
+            </a:r>
+          </a:p>
+          <a:p>
+            <a:r>
+              <a:rPr lang="en-US" altLang="zh-TW" dirty="0"/>
+              <a:t>Send Message to LUIS</a:t>
+            </a:r>
+          </a:p>
+          <a:p>
+            <a:r>
+              <a:rPr lang="en-US" altLang="zh-TW" dirty="0"/>
+              <a:t>Design your program to process intents and action.</a:t>
+            </a:r>
+            <a:endParaRPr lang="zh-TW" altLang="en-US" dirty="0"/>
+          </a:p>
+        </p:txBody>
+      </p:sp>
+      <p:sp>
+        <p:nvSpPr>
+          <p:cNvPr id="4" name="投影片編號版面配置區 3"/>
+          <p:cNvSpPr>
+            <a:spLocks noGrp="1"/>
+          </p:cNvSpPr>
+          <p:nvPr>
+            <p:ph type="sldNum" sz="quarter" idx="12"/>
+          </p:nvPr>
+        </p:nvSpPr>
+        <p:spPr/>
+        <p:txBody>
+          <a:bodyPr/>
+          <a:lstStyle/>
+          <a:p>
+            <a:fld id="{D466FAAA-B4AD-4AFB-AEBE-069464B45C14}" type="slidenum">
+              <a:rPr lang="zh-TW" altLang="en-US" smtClean="0"/>
+              <a:t>7</a:t>
+            </a:fld>
+            <a:endParaRPr lang="zh-TW" altLang="en-US"/>
+          </a:p>
+        </p:txBody>
+      </p:sp>
+      <p:pic>
+        <p:nvPicPr>
+          <p:cNvPr id="5" name="圖片 4"/>
+          <p:cNvPicPr>
+            <a:picLocks noChangeAspect="1"/>
+          </p:cNvPicPr>
+          <p:nvPr/>
+        </p:nvPicPr>
+        <p:blipFill>
+          <a:blip r:embed="rId2"/>
+          <a:stretch>
+            <a:fillRect/>
+          </a:stretch>
+        </p:blipFill>
+        <p:spPr>
+          <a:xfrm>
+            <a:off x="480383" y="3858033"/>
+            <a:ext cx="3905250" cy="2257425"/>
+          </a:xfrm>
+          <a:prstGeom prst="rect">
+            <a:avLst/>
+          </a:prstGeom>
+        </p:spPr>
+      </p:pic>
+      <p:pic>
+        <p:nvPicPr>
+          <p:cNvPr id="6" name="圖片 5"/>
+          <p:cNvPicPr>
+            <a:picLocks noChangeAspect="1"/>
+          </p:cNvPicPr>
+          <p:nvPr/>
+        </p:nvPicPr>
+        <p:blipFill>
+          <a:blip r:embed="rId3"/>
+          <a:stretch>
+            <a:fillRect/>
+          </a:stretch>
+        </p:blipFill>
+        <p:spPr>
+          <a:xfrm>
+            <a:off x="8516328" y="4381907"/>
+            <a:ext cx="1533525" cy="1209675"/>
+          </a:xfrm>
+          <a:prstGeom prst="rect">
+            <a:avLst/>
+          </a:prstGeom>
+        </p:spPr>
+      </p:pic>
+      <p:sp>
+        <p:nvSpPr>
+          <p:cNvPr id="7" name="文字方塊 6"/>
+          <p:cNvSpPr txBox="1"/>
+          <p:nvPr/>
+        </p:nvSpPr>
+        <p:spPr>
+          <a:xfrm>
+            <a:off x="8586425" y="5746126"/>
+            <a:ext cx="1393330" cy="369332"/>
+          </a:xfrm>
+          <a:prstGeom prst="rect">
+            <a:avLst/>
+          </a:prstGeom>
+          <a:noFill/>
+        </p:spPr>
+        <p:txBody>
+          <a:bodyPr wrap="none" rtlCol="0">
+            <a:spAutoFit/>
+          </a:bodyPr>
+          <a:lstStyle/>
+          <a:p>
+            <a:r>
+              <a:rPr lang="en-US" altLang="zh-TW" dirty="0"/>
+              <a:t>LUIS Model</a:t>
+            </a:r>
+            <a:endParaRPr lang="zh-TW" altLang="en-US" dirty="0"/>
+          </a:p>
+        </p:txBody>
+      </p:sp>
+      <p:sp>
+        <p:nvSpPr>
+          <p:cNvPr id="8" name="文字方塊 7"/>
+          <p:cNvSpPr txBox="1"/>
+          <p:nvPr/>
+        </p:nvSpPr>
+        <p:spPr>
+          <a:xfrm>
+            <a:off x="5055586" y="4197241"/>
+            <a:ext cx="2403222" cy="369332"/>
+          </a:xfrm>
+          <a:prstGeom prst="rect">
+            <a:avLst/>
+          </a:prstGeom>
+          <a:noFill/>
+        </p:spPr>
+        <p:txBody>
+          <a:bodyPr wrap="none" rtlCol="0">
+            <a:spAutoFit/>
+          </a:bodyPr>
+          <a:lstStyle/>
+          <a:p>
+            <a:r>
+              <a:rPr lang="en-US" altLang="zh-TW" dirty="0"/>
+              <a:t>Haircut on Saturday</a:t>
+            </a:r>
+            <a:endParaRPr lang="zh-TW" altLang="en-US" dirty="0"/>
+          </a:p>
+        </p:txBody>
+      </p:sp>
+      <p:cxnSp>
+        <p:nvCxnSpPr>
+          <p:cNvPr id="10" name="直線單箭頭接點 9"/>
+          <p:cNvCxnSpPr/>
+          <p:nvPr/>
+        </p:nvCxnSpPr>
+        <p:spPr>
+          <a:xfrm>
+            <a:off x="4385633" y="4566573"/>
+            <a:ext cx="4130695" cy="0"/>
+          </a:xfrm>
+          <a:prstGeom prst="straightConnector1">
+            <a:avLst/>
+          </a:prstGeom>
+          <a:ln>
+            <a:tailEnd type="triangle"/>
+          </a:ln>
+        </p:spPr>
+        <p:style>
+          <a:lnRef idx="3">
+            <a:schemeClr val="accent3"/>
+          </a:lnRef>
+          <a:fillRef idx="0">
+            <a:schemeClr val="accent3"/>
+          </a:fillRef>
+          <a:effectRef idx="2">
+            <a:schemeClr val="accent3"/>
+          </a:effectRef>
+          <a:fontRef idx="minor">
+            <a:schemeClr val="tx1"/>
+          </a:fontRef>
+        </p:style>
+      </p:cxnSp>
+      <p:cxnSp>
+        <p:nvCxnSpPr>
+          <p:cNvPr id="12" name="直線單箭頭接點 11"/>
+          <p:cNvCxnSpPr/>
+          <p:nvPr/>
+        </p:nvCxnSpPr>
+        <p:spPr>
+          <a:xfrm flipH="1">
+            <a:off x="4385633" y="5305647"/>
+            <a:ext cx="4130695" cy="0"/>
+          </a:xfrm>
+          <a:prstGeom prst="straightConnector1">
+            <a:avLst/>
+          </a:prstGeom>
+          <a:ln>
+            <a:tailEnd type="triangle"/>
+          </a:ln>
+        </p:spPr>
+        <p:style>
+          <a:lnRef idx="3">
+            <a:schemeClr val="accent3"/>
+          </a:lnRef>
+          <a:fillRef idx="0">
+            <a:schemeClr val="accent3"/>
+          </a:fillRef>
+          <a:effectRef idx="2">
+            <a:schemeClr val="accent3"/>
+          </a:effectRef>
+          <a:fontRef idx="minor">
+            <a:schemeClr val="tx1"/>
+          </a:fontRef>
+        </p:style>
+      </p:cxnSp>
+      <p:sp>
+        <p:nvSpPr>
+          <p:cNvPr id="13" name="文字方塊 12"/>
+          <p:cNvSpPr txBox="1"/>
+          <p:nvPr/>
+        </p:nvSpPr>
+        <p:spPr>
+          <a:xfrm>
+            <a:off x="5147758" y="5341221"/>
+            <a:ext cx="2218877" cy="369332"/>
+          </a:xfrm>
+          <a:prstGeom prst="rect">
+            <a:avLst/>
+          </a:prstGeom>
+          <a:noFill/>
+        </p:spPr>
+        <p:txBody>
+          <a:bodyPr wrap="none" rtlCol="0">
+            <a:spAutoFit/>
+          </a:bodyPr>
+          <a:lstStyle/>
+          <a:p>
+            <a:r>
+              <a:rPr lang="en-US" altLang="zh-TW" dirty="0"/>
+              <a:t>intents and action</a:t>
+            </a:r>
+            <a:endParaRPr lang="zh-TW" altLang="en-US" dirty="0"/>
+          </a:p>
+        </p:txBody>
+      </p:sp>
+    </p:spTree>
+    <p:extLst>
+      <p:ext uri="{BB962C8B-B14F-4D97-AF65-F5344CB8AC3E}">
+        <p14:creationId xmlns:p14="http://schemas.microsoft.com/office/powerpoint/2010/main" val="2729987371"/>
+      </p:ext>
+    </p:extLst>
+  </p:cSld>
+  <p:clrMapOvr>
+    <a:masterClrMapping/>
+  </p:clrMapOvr>
+</p:sld>
+</file>
+
+<file path=ppt/slides/slide8.xml><?xml version="1.0" encoding="utf-8"?>
+<p:sld xmlns:a="http://schemas.openxmlformats.org/drawingml/2006/main" xmlns:r="http://schemas.openxmlformats.org/officeDocument/2006/relationships" xmlns:p="http://schemas.openxmlformats.org/presentationml/2006/main">
+  <p:cSld>
+    <p:spTree>
+      <p:nvGrpSpPr>
+        <p:cNvPr id="1" name=""/>
+        <p:cNvGrpSpPr/>
+        <p:nvPr/>
+      </p:nvGrpSpPr>
+      <p:grpSpPr>
+        <a:xfrm>
+          <a:off x="0" y="0"/>
+          <a:ext cx="0" cy="0"/>
+          <a:chOff x="0" y="0"/>
+          <a:chExt cx="0" cy="0"/>
+        </a:xfrm>
+      </p:grpSpPr>
+      <p:sp>
+        <p:nvSpPr>
+          <p:cNvPr id="7" name="Rectangle 6"/>
+          <p:cNvSpPr>
+            <a:spLocks noGrp="1" noRot="1" noChangeAspect="1" noMove="1" noResize="1" noEditPoints="1" noAdjustHandles="1" noChangeArrowheads="1" noChangeShapeType="1" noTextEdit="1"/>
+          </p:cNvSpPr>
+          <p:nvPr>
+            <p:extLst>
+              <p:ext uri="{386F3935-93C4-4BCD-93E2-E3B085C9AB24}">
+                <p16:designElem xmlns:p16="http://schemas.microsoft.com/office/powerpoint/2015/main" val="1"/>
+              </p:ext>
+            </p:extLst>
+          </p:nvPr>
+        </p:nvSpPr>
+        <p:spPr>
+          <a:xfrm>
+            <a:off x="6093992" y="0"/>
+            <a:ext cx="6098427" cy="6858000"/>
+          </a:xfrm>
+          <a:prstGeom prst="rect">
+            <a:avLst/>
+          </a:prstGeom>
+          <a:solidFill>
+            <a:srgbClr val="FFFFFF"/>
+          </a:solidFill>
+          <a:ln>
+            <a:noFill/>
+          </a:ln>
+        </p:spPr>
+        <p:style>
+          <a:lnRef idx="2">
+            <a:schemeClr val="accent1">
+              <a:shade val="50000"/>
+            </a:schemeClr>
+          </a:lnRef>
+          <a:fillRef idx="1">
+            <a:schemeClr val="accent1"/>
+          </a:fillRef>
+          <a:effectRef idx="0">
+            <a:schemeClr val="accent1"/>
+          </a:effectRef>
+          <a:fontRef idx="minor">
+            <a:schemeClr val="lt1"/>
+          </a:fontRef>
+        </p:style>
+        <p:txBody>
+          <a:bodyPr rtlCol="0" anchor="ctr"/>
+          <a:lstStyle/>
+          <a:p>
+            <a:pPr algn="ctr"/>
+            <a:endParaRPr lang="en-US"/>
+          </a:p>
+        </p:txBody>
+      </p:sp>
+      <p:sp>
+        <p:nvSpPr>
+          <p:cNvPr id="8" name="Freeform 31"/>
+          <p:cNvSpPr>
+            <a:spLocks noGrp="1" noRot="1" noChangeAspect="1" noMove="1" noResize="1" noEditPoints="1" noAdjustHandles="1" noChangeArrowheads="1" noChangeShapeType="1" noTextEdit="1"/>
+          </p:cNvSpPr>
+          <p:nvPr>
+            <p:extLst>
+              <p:ext uri="{386F3935-93C4-4BCD-93E2-E3B085C9AB24}">
+                <p16:designElem xmlns:p16="http://schemas.microsoft.com/office/powerpoint/2015/main" val="1"/>
+              </p:ext>
+            </p:extLst>
+          </p:nvPr>
+        </p:nvSpPr>
+        <p:spPr>
+          <a:xfrm>
+            <a:off x="4994020" y="-1"/>
+            <a:ext cx="559472" cy="3709642"/>
+          </a:xfrm>
+          <a:custGeom>
+            <a:avLst/>
+            <a:gdLst>
+              <a:gd name="connsiteX0" fmla="*/ 0 w 559472"/>
+              <a:gd name="connsiteY0" fmla="*/ 0 h 3709642"/>
+              <a:gd name="connsiteX1" fmla="*/ 473952 w 559472"/>
+              <a:gd name="connsiteY1" fmla="*/ 0 h 3709642"/>
+              <a:gd name="connsiteX2" fmla="*/ 485840 w 559472"/>
+              <a:gd name="connsiteY2" fmla="*/ 161194 h 3709642"/>
+              <a:gd name="connsiteX3" fmla="*/ 523949 w 559472"/>
+              <a:gd name="connsiteY3" fmla="*/ 3672197 h 3709642"/>
+              <a:gd name="connsiteX4" fmla="*/ 454748 w 559472"/>
+              <a:gd name="connsiteY4" fmla="*/ 3709642 h 3709642"/>
+              <a:gd name="connsiteX5" fmla="*/ 448224 w 559472"/>
+              <a:gd name="connsiteY5" fmla="*/ 3510471 h 3709642"/>
+              <a:gd name="connsiteX6" fmla="*/ 443564 w 559472"/>
+              <a:gd name="connsiteY6" fmla="*/ 3408563 h 3709642"/>
+              <a:gd name="connsiteX7" fmla="*/ 438902 w 559472"/>
+              <a:gd name="connsiteY7" fmla="*/ 3304407 h 3709642"/>
+              <a:gd name="connsiteX8" fmla="*/ 433941 w 559472"/>
+              <a:gd name="connsiteY8" fmla="*/ 3198777 h 3709642"/>
+              <a:gd name="connsiteX9" fmla="*/ 427584 w 559472"/>
+              <a:gd name="connsiteY9" fmla="*/ 3092510 h 3709642"/>
+              <a:gd name="connsiteX10" fmla="*/ 420988 w 559472"/>
+              <a:gd name="connsiteY10" fmla="*/ 2984390 h 3709642"/>
+              <a:gd name="connsiteX11" fmla="*/ 414330 w 559472"/>
+              <a:gd name="connsiteY11" fmla="*/ 2874401 h 3709642"/>
+              <a:gd name="connsiteX12" fmla="*/ 406840 w 559472"/>
+              <a:gd name="connsiteY12" fmla="*/ 2762980 h 3709642"/>
+              <a:gd name="connsiteX13" fmla="*/ 397745 w 559472"/>
+              <a:gd name="connsiteY13" fmla="*/ 2650566 h 3709642"/>
+              <a:gd name="connsiteX14" fmla="*/ 389154 w 559472"/>
+              <a:gd name="connsiteY14" fmla="*/ 2536612 h 3709642"/>
+              <a:gd name="connsiteX15" fmla="*/ 379225 w 559472"/>
+              <a:gd name="connsiteY15" fmla="*/ 2421642 h 3709642"/>
+              <a:gd name="connsiteX16" fmla="*/ 368316 w 559472"/>
+              <a:gd name="connsiteY16" fmla="*/ 2305627 h 3709642"/>
+              <a:gd name="connsiteX17" fmla="*/ 357466 w 559472"/>
+              <a:gd name="connsiteY17" fmla="*/ 2189233 h 3709642"/>
+              <a:gd name="connsiteX18" fmla="*/ 344982 w 559472"/>
+              <a:gd name="connsiteY18" fmla="*/ 2071473 h 3709642"/>
+              <a:gd name="connsiteX19" fmla="*/ 332466 w 559472"/>
+              <a:gd name="connsiteY19" fmla="*/ 1952216 h 3709642"/>
+              <a:gd name="connsiteX20" fmla="*/ 319121 w 559472"/>
+              <a:gd name="connsiteY20" fmla="*/ 1833776 h 3709642"/>
+              <a:gd name="connsiteX21" fmla="*/ 304408 w 559472"/>
+              <a:gd name="connsiteY21" fmla="*/ 1713948 h 3709642"/>
+              <a:gd name="connsiteX22" fmla="*/ 288685 w 559472"/>
+              <a:gd name="connsiteY22" fmla="*/ 1592703 h 3709642"/>
+              <a:gd name="connsiteX23" fmla="*/ 273050 w 559472"/>
+              <a:gd name="connsiteY23" fmla="*/ 1471451 h 3709642"/>
+              <a:gd name="connsiteX24" fmla="*/ 255813 w 559472"/>
+              <a:gd name="connsiteY24" fmla="*/ 1350328 h 3709642"/>
+              <a:gd name="connsiteX25" fmla="*/ 237060 w 559472"/>
+              <a:gd name="connsiteY25" fmla="*/ 1227080 h 3709642"/>
+              <a:gd name="connsiteX26" fmla="*/ 218488 w 559472"/>
+              <a:gd name="connsiteY26" fmla="*/ 1106065 h 3709642"/>
+              <a:gd name="connsiteX27" fmla="*/ 198221 w 559472"/>
+              <a:gd name="connsiteY27" fmla="*/ 982940 h 3709642"/>
+              <a:gd name="connsiteX28" fmla="*/ 177152 w 559472"/>
+              <a:gd name="connsiteY28" fmla="*/ 858755 h 3709642"/>
+              <a:gd name="connsiteX29" fmla="*/ 155551 w 559472"/>
+              <a:gd name="connsiteY29" fmla="*/ 736861 h 3709642"/>
+              <a:gd name="connsiteX30" fmla="*/ 131782 w 559472"/>
+              <a:gd name="connsiteY30" fmla="*/ 613645 h 3709642"/>
+              <a:gd name="connsiteX31" fmla="*/ 107123 w 559472"/>
+              <a:gd name="connsiteY31" fmla="*/ 490500 h 3709642"/>
+              <a:gd name="connsiteX32" fmla="*/ 82552 w 559472"/>
+              <a:gd name="connsiteY32" fmla="*/ 367348 h 3709642"/>
+              <a:gd name="connsiteX33" fmla="*/ 55608 w 559472"/>
+              <a:gd name="connsiteY33" fmla="*/ 244762 h 3709642"/>
+              <a:gd name="connsiteX34" fmla="*/ 28130 w 559472"/>
+              <a:gd name="connsiteY34" fmla="*/ 122220 h 3709642"/>
+              <a:gd name="connsiteX35" fmla="*/ 0 w 559472"/>
+              <a:gd name="connsiteY35" fmla="*/ 0 h 3709642"/>
+            </a:gdLst>
+            <a:ahLst/>
+            <a:cxnLst>
+              <a:cxn ang="0">
+                <a:pos x="connsiteX0" y="connsiteY0"/>
+              </a:cxn>
+              <a:cxn ang="0">
+                <a:pos x="connsiteX1" y="connsiteY1"/>
+              </a:cxn>
+              <a:cxn ang="0">
+                <a:pos x="connsiteX2" y="connsiteY2"/>
+              </a:cxn>
+              <a:cxn ang="0">
+                <a:pos x="connsiteX3" y="connsiteY3"/>
+              </a:cxn>
+              <a:cxn ang="0">
+                <a:pos x="connsiteX4" y="connsiteY4"/>
+              </a:cxn>
+              <a:cxn ang="0">
+                <a:pos x="connsiteX5" y="connsiteY5"/>
+              </a:cxn>
+              <a:cxn ang="0">
+                <a:pos x="connsiteX6" y="connsiteY6"/>
+              </a:cxn>
+              <a:cxn ang="0">
+                <a:pos x="connsiteX7" y="connsiteY7"/>
+              </a:cxn>
+              <a:cxn ang="0">
+                <a:pos x="connsiteX8" y="connsiteY8"/>
+              </a:cxn>
+              <a:cxn ang="0">
+                <a:pos x="connsiteX9" y="connsiteY9"/>
+              </a:cxn>
+              <a:cxn ang="0">
+                <a:pos x="connsiteX10" y="connsiteY10"/>
+              </a:cxn>
+              <a:cxn ang="0">
+                <a:pos x="connsiteX11" y="connsiteY11"/>
+              </a:cxn>
+              <a:cxn ang="0">
+                <a:pos x="connsiteX12" y="connsiteY12"/>
+              </a:cxn>
+              <a:cxn ang="0">
+                <a:pos x="connsiteX13" y="connsiteY13"/>
+              </a:cxn>
+              <a:cxn ang="0">
+                <a:pos x="connsiteX14" y="connsiteY14"/>
+              </a:cxn>
+              <a:cxn ang="0">
+                <a:pos x="connsiteX15" y="connsiteY15"/>
+              </a:cxn>
+              <a:cxn ang="0">
+                <a:pos x="connsiteX16" y="connsiteY16"/>
+              </a:cxn>
+              <a:cxn ang="0">
+                <a:pos x="connsiteX17" y="connsiteY17"/>
+              </a:cxn>
+              <a:cxn ang="0">
+                <a:pos x="connsiteX18" y="connsiteY18"/>
+              </a:cxn>
+              <a:cxn ang="0">
+                <a:pos x="connsiteX19" y="connsiteY19"/>
+              </a:cxn>
+              <a:cxn ang="0">
+                <a:pos x="connsiteX20" y="connsiteY20"/>
+              </a:cxn>
+              <a:cxn ang="0">
+                <a:pos x="connsiteX21" y="connsiteY21"/>
+              </a:cxn>
+              <a:cxn ang="0">
+                <a:pos x="connsiteX22" y="connsiteY22"/>
+              </a:cxn>
+              <a:cxn ang="0">
+                <a:pos x="connsiteX23" y="connsiteY23"/>
+              </a:cxn>
+              <a:cxn ang="0">
+                <a:pos x="connsiteX24" y="connsiteY24"/>
+              </a:cxn>
+              <a:cxn ang="0">
+                <a:pos x="connsiteX25" y="connsiteY25"/>
+              </a:cxn>
+              <a:cxn ang="0">
+                <a:pos x="connsiteX26" y="connsiteY26"/>
+              </a:cxn>
+              <a:cxn ang="0">
+                <a:pos x="connsiteX27" y="connsiteY27"/>
+              </a:cxn>
+              <a:cxn ang="0">
+                <a:pos x="connsiteX28" y="connsiteY28"/>
+              </a:cxn>
+              <a:cxn ang="0">
+                <a:pos x="connsiteX29" y="connsiteY29"/>
+              </a:cxn>
+              <a:cxn ang="0">
+                <a:pos x="connsiteX30" y="connsiteY30"/>
+              </a:cxn>
+              <a:cxn ang="0">
+                <a:pos x="connsiteX31" y="connsiteY31"/>
+              </a:cxn>
+              <a:cxn ang="0">
+                <a:pos x="connsiteX32" y="connsiteY32"/>
+              </a:cxn>
+              <a:cxn ang="0">
+                <a:pos x="connsiteX33" y="connsiteY33"/>
+              </a:cxn>
+              <a:cxn ang="0">
+                <a:pos x="connsiteX34" y="connsiteY34"/>
+              </a:cxn>
+              <a:cxn ang="0">
+                <a:pos x="connsiteX35" y="connsiteY35"/>
+              </a:cxn>
+            </a:cxnLst>
+            <a:rect l="l" t="t" r="r" b="b"/>
+            <a:pathLst>
+              <a:path w="559472" h="3709642">
+                <a:moveTo>
+                  <a:pt x="0" y="0"/>
+                </a:moveTo>
+                <a:lnTo>
+                  <a:pt x="473952" y="0"/>
+                </a:lnTo>
+                <a:lnTo>
+                  <a:pt x="485840" y="161194"/>
+                </a:lnTo>
+                <a:cubicBezTo>
+                  <a:pt x="552063" y="1147770"/>
+                  <a:pt x="592441" y="3086737"/>
+                  <a:pt x="523949" y="3672197"/>
+                </a:cubicBezTo>
+                <a:cubicBezTo>
+                  <a:pt x="500842" y="3684557"/>
+                  <a:pt x="477855" y="3697282"/>
+                  <a:pt x="454748" y="3709642"/>
+                </a:cubicBezTo>
+                <a:lnTo>
+                  <a:pt x="448224" y="3510471"/>
+                </a:lnTo>
+                <a:lnTo>
+                  <a:pt x="443564" y="3408563"/>
+                </a:lnTo>
+                <a:lnTo>
+                  <a:pt x="438902" y="3304407"/>
+                </a:lnTo>
+                <a:lnTo>
+                  <a:pt x="433941" y="3198777"/>
+                </a:lnTo>
+                <a:lnTo>
+                  <a:pt x="427584" y="3092510"/>
+                </a:lnTo>
+                <a:lnTo>
+                  <a:pt x="420988" y="2984390"/>
+                </a:lnTo>
+                <a:lnTo>
+                  <a:pt x="414330" y="2874401"/>
+                </a:lnTo>
+                <a:lnTo>
+                  <a:pt x="406840" y="2762980"/>
+                </a:lnTo>
+                <a:lnTo>
+                  <a:pt x="397745" y="2650566"/>
+                </a:lnTo>
+                <a:lnTo>
+                  <a:pt x="389154" y="2536612"/>
+                </a:lnTo>
+                <a:lnTo>
+                  <a:pt x="379225" y="2421642"/>
+                </a:lnTo>
+                <a:lnTo>
+                  <a:pt x="368316" y="2305627"/>
+                </a:lnTo>
+                <a:lnTo>
+                  <a:pt x="357466" y="2189233"/>
+                </a:lnTo>
+                <a:lnTo>
+                  <a:pt x="344982" y="2071473"/>
+                </a:lnTo>
+                <a:lnTo>
+                  <a:pt x="332466" y="1952216"/>
+                </a:lnTo>
+                <a:lnTo>
+                  <a:pt x="319121" y="1833776"/>
+                </a:lnTo>
+                <a:lnTo>
+                  <a:pt x="304408" y="1713948"/>
+                </a:lnTo>
+                <a:lnTo>
+                  <a:pt x="288685" y="1592703"/>
+                </a:lnTo>
+                <a:lnTo>
+                  <a:pt x="273050" y="1471451"/>
+                </a:lnTo>
+                <a:lnTo>
+                  <a:pt x="255813" y="1350328"/>
+                </a:lnTo>
+                <a:lnTo>
+                  <a:pt x="237060" y="1227080"/>
+                </a:lnTo>
+                <a:lnTo>
+                  <a:pt x="218488" y="1106065"/>
+                </a:lnTo>
+                <a:lnTo>
+                  <a:pt x="198221" y="982940"/>
+                </a:lnTo>
+                <a:lnTo>
+                  <a:pt x="177152" y="858755"/>
+                </a:lnTo>
+                <a:lnTo>
+                  <a:pt x="155551" y="736861"/>
+                </a:lnTo>
+                <a:lnTo>
+                  <a:pt x="131782" y="613645"/>
+                </a:lnTo>
+                <a:lnTo>
+                  <a:pt x="107123" y="490500"/>
+                </a:lnTo>
+                <a:lnTo>
+                  <a:pt x="82552" y="367348"/>
+                </a:lnTo>
+                <a:lnTo>
+                  <a:pt x="55608" y="244762"/>
+                </a:lnTo>
+                <a:lnTo>
+                  <a:pt x="28130" y="122220"/>
+                </a:lnTo>
+                <a:lnTo>
+                  <a:pt x="0" y="0"/>
+                </a:lnTo>
+                <a:close/>
+              </a:path>
+            </a:pathLst>
+          </a:custGeom>
+          <a:solidFill>
+            <a:schemeClr val="tx1">
+              <a:alpha val="20000"/>
+            </a:schemeClr>
+          </a:solidFill>
+          <a:ln>
+            <a:noFill/>
+          </a:ln>
+        </p:spPr>
+        <p:txBody>
+          <a:bodyPr rtlCol="0" anchor="ctr"/>
+          <a:lstStyle/>
+          <a:p>
+            <a:pPr algn="ctr"/>
+            <a:endParaRPr lang="en-US"/>
+          </a:p>
+        </p:txBody>
+      </p:sp>
+      <p:sp>
+        <p:nvSpPr>
+          <p:cNvPr id="9" name="Freeform 5"/>
+          <p:cNvSpPr>
+            <a:spLocks noGrp="1" noRot="1" noChangeAspect="1" noMove="1" noResize="1" noEditPoints="1" noAdjustHandles="1" noChangeArrowheads="1" noChangeShapeType="1" noTextEdit="1"/>
+          </p:cNvSpPr>
+          <p:nvPr>
+            <p:extLst>
+              <p:ext uri="{386F3935-93C4-4BCD-93E2-E3B085C9AB24}">
+                <p16:designElem xmlns:p16="http://schemas.microsoft.com/office/powerpoint/2015/main" val="1"/>
+              </p:ext>
+            </p:extLst>
+          </p:nvPr>
+        </p:nvSpPr>
+        <p:spPr bwMode="gray">
+          <a:xfrm rot="16200000">
+            <a:off x="2450577" y="2756642"/>
+            <a:ext cx="6858000" cy="1344715"/>
+          </a:xfrm>
+          <a:custGeom>
+            <a:avLst/>
+            <a:gdLst/>
+            <a:ahLst/>
+            <a:cxnLst/>
+            <a:rect l="l" t="t" r="r" b="b"/>
+            <a:pathLst>
+              <a:path w="10000" h="8000">
+                <a:moveTo>
+                  <a:pt x="0" y="0"/>
+                </a:moveTo>
+                <a:lnTo>
+                  <a:pt x="0" y="7970"/>
+                </a:lnTo>
+                <a:lnTo>
+                  <a:pt x="10000" y="8000"/>
+                </a:lnTo>
+                <a:lnTo>
+                  <a:pt x="10000" y="7"/>
+                </a:lnTo>
+                <a:lnTo>
+                  <a:pt x="10000" y="7"/>
+                </a:lnTo>
+                <a:lnTo>
+                  <a:pt x="9773" y="156"/>
+                </a:lnTo>
+                <a:lnTo>
+                  <a:pt x="9547" y="298"/>
+                </a:lnTo>
+                <a:lnTo>
+                  <a:pt x="9320" y="437"/>
+                </a:lnTo>
+                <a:lnTo>
+                  <a:pt x="9092" y="556"/>
+                </a:lnTo>
+                <a:lnTo>
+                  <a:pt x="8865" y="676"/>
+                </a:lnTo>
+                <a:lnTo>
+                  <a:pt x="8637" y="788"/>
+                </a:lnTo>
+                <a:lnTo>
+                  <a:pt x="8412" y="884"/>
+                </a:lnTo>
+                <a:lnTo>
+                  <a:pt x="8184" y="975"/>
+                </a:lnTo>
+                <a:lnTo>
+                  <a:pt x="7957" y="1058"/>
+                </a:lnTo>
+                <a:lnTo>
+                  <a:pt x="7734" y="1130"/>
+                </a:lnTo>
+                <a:lnTo>
+                  <a:pt x="7508" y="1202"/>
+                </a:lnTo>
+                <a:lnTo>
+                  <a:pt x="7285" y="1262"/>
+                </a:lnTo>
+                <a:lnTo>
+                  <a:pt x="7062" y="1309"/>
+                </a:lnTo>
+                <a:lnTo>
+                  <a:pt x="6840" y="1358"/>
+                </a:lnTo>
+                <a:lnTo>
+                  <a:pt x="6620" y="1399"/>
+                </a:lnTo>
+                <a:lnTo>
+                  <a:pt x="6402" y="1428"/>
+                </a:lnTo>
+                <a:lnTo>
+                  <a:pt x="6184" y="1453"/>
+                </a:lnTo>
+                <a:lnTo>
+                  <a:pt x="5968" y="1477"/>
+                </a:lnTo>
+                <a:lnTo>
+                  <a:pt x="5755" y="1488"/>
+                </a:lnTo>
+                <a:lnTo>
+                  <a:pt x="5542" y="1500"/>
+                </a:lnTo>
+                <a:lnTo>
+                  <a:pt x="5332" y="1506"/>
+                </a:lnTo>
+                <a:lnTo>
+                  <a:pt x="5124" y="1500"/>
+                </a:lnTo>
+                <a:lnTo>
+                  <a:pt x="4918" y="1500"/>
+                </a:lnTo>
+                <a:lnTo>
+                  <a:pt x="4714" y="1488"/>
+                </a:lnTo>
+                <a:lnTo>
+                  <a:pt x="4514" y="1470"/>
+                </a:lnTo>
+                <a:lnTo>
+                  <a:pt x="4316" y="1453"/>
+                </a:lnTo>
+                <a:lnTo>
+                  <a:pt x="4122" y="1434"/>
+                </a:lnTo>
+                <a:lnTo>
+                  <a:pt x="3929" y="1405"/>
+                </a:lnTo>
+                <a:lnTo>
+                  <a:pt x="3739" y="1374"/>
+                </a:lnTo>
+                <a:lnTo>
+                  <a:pt x="3553" y="1346"/>
+                </a:lnTo>
+                <a:lnTo>
+                  <a:pt x="3190" y="1267"/>
+                </a:lnTo>
+                <a:lnTo>
+                  <a:pt x="2842" y="1183"/>
+                </a:lnTo>
+                <a:lnTo>
+                  <a:pt x="2508" y="1095"/>
+                </a:lnTo>
+                <a:lnTo>
+                  <a:pt x="2192" y="998"/>
+                </a:lnTo>
+                <a:lnTo>
+                  <a:pt x="1890" y="897"/>
+                </a:lnTo>
+                <a:lnTo>
+                  <a:pt x="1610" y="788"/>
+                </a:lnTo>
+                <a:lnTo>
+                  <a:pt x="1347" y="681"/>
+                </a:lnTo>
+                <a:lnTo>
+                  <a:pt x="1105" y="574"/>
+                </a:lnTo>
+                <a:lnTo>
+                  <a:pt x="883" y="473"/>
+                </a:lnTo>
+                <a:lnTo>
+                  <a:pt x="686" y="377"/>
+                </a:lnTo>
+                <a:lnTo>
+                  <a:pt x="508" y="286"/>
+                </a:lnTo>
+                <a:lnTo>
+                  <a:pt x="358" y="210"/>
+                </a:lnTo>
+                <a:lnTo>
+                  <a:pt x="232" y="138"/>
+                </a:lnTo>
+                <a:lnTo>
+                  <a:pt x="59" y="35"/>
+                </a:lnTo>
+                <a:lnTo>
+                  <a:pt x="0" y="0"/>
+                </a:lnTo>
+                <a:lnTo>
+                  <a:pt x="0" y="0"/>
+                </a:lnTo>
+                <a:close/>
+              </a:path>
+            </a:pathLst>
+          </a:custGeom>
+          <a:solidFill>
+            <a:srgbClr val="FFFFFF"/>
+          </a:solidFill>
+          <a:ln>
+            <a:noFill/>
+          </a:ln>
+        </p:spPr>
+      </p:sp>
+      <p:pic>
+        <p:nvPicPr>
+          <p:cNvPr id="5" name="圖片 4"/>
+          <p:cNvPicPr>
+            <a:picLocks noChangeAspect="1"/>
+          </p:cNvPicPr>
+          <p:nvPr/>
+        </p:nvPicPr>
+        <p:blipFill>
+          <a:blip r:embed="rId2"/>
+          <a:stretch>
+            <a:fillRect/>
+          </a:stretch>
+        </p:blipFill>
+        <p:spPr>
+          <a:xfrm>
+            <a:off x="6093992" y="1289918"/>
+            <a:ext cx="5449889" cy="4278161"/>
+          </a:xfrm>
+          <a:prstGeom prst="rect">
+            <a:avLst/>
+          </a:prstGeom>
+          <a:effectLst/>
+        </p:spPr>
+      </p:pic>
+      <p:sp>
+        <p:nvSpPr>
+          <p:cNvPr id="10" name="Rectangle 9"/>
+          <p:cNvSpPr>
+            <a:spLocks noGrp="1" noRot="1" noChangeAspect="1" noMove="1" noResize="1" noEditPoints="1" noAdjustHandles="1" noChangeArrowheads="1" noChangeShapeType="1" noTextEdit="1"/>
+          </p:cNvSpPr>
+          <p:nvPr>
+            <p:extLst>
+              <p:ext uri="{386F3935-93C4-4BCD-93E2-E3B085C9AB24}">
+                <p16:designElem xmlns:p16="http://schemas.microsoft.com/office/powerpoint/2015/main" val="1"/>
+              </p:ext>
+            </p:extLst>
+          </p:nvPr>
+        </p:nvSpPr>
+        <p:spPr>
+          <a:xfrm>
+            <a:off x="10442448" y="0"/>
+            <a:ext cx="685800" cy="1143000"/>
+          </a:xfrm>
+          <a:prstGeom prst="rect">
+            <a:avLst/>
+          </a:prstGeom>
+          <a:solidFill>
+            <a:schemeClr val="accent1"/>
+          </a:solidFill>
+          <a:ln>
+            <a:noFill/>
+          </a:ln>
+        </p:spPr>
+        <p:style>
+          <a:lnRef idx="1">
+            <a:schemeClr val="accent1"/>
+          </a:lnRef>
+          <a:fillRef idx="3">
+            <a:schemeClr val="accent1"/>
+          </a:fillRef>
+          <a:effectRef idx="2">
+            <a:schemeClr val="accent1"/>
+          </a:effectRef>
+          <a:fontRef idx="minor">
+            <a:schemeClr val="lt1"/>
+          </a:fontRef>
+        </p:style>
+      </p:sp>
+      <p:sp>
+        <p:nvSpPr>
+          <p:cNvPr id="2" name="標題 1"/>
+          <p:cNvSpPr>
+            <a:spLocks noGrp="1"/>
+          </p:cNvSpPr>
+          <p:nvPr>
+            <p:ph type="title"/>
+          </p:nvPr>
+        </p:nvSpPr>
+        <p:spPr>
+          <a:xfrm>
+            <a:off x="648931" y="629266"/>
+            <a:ext cx="4166510" cy="1622321"/>
+          </a:xfrm>
+        </p:spPr>
+        <p:txBody>
+          <a:bodyPr>
+            <a:normAutofit/>
+          </a:bodyPr>
+          <a:lstStyle/>
+          <a:p>
+            <a:r>
+              <a:rPr lang="en-US" altLang="zh-TW" dirty="0"/>
+              <a:t>Bot Connector</a:t>
+            </a:r>
+            <a:endParaRPr lang="zh-TW" altLang="en-US" dirty="0"/>
+          </a:p>
+        </p:txBody>
+      </p:sp>
+      <p:sp>
+        <p:nvSpPr>
+          <p:cNvPr id="3" name="內容版面配置區 2"/>
+          <p:cNvSpPr>
+            <a:spLocks noGrp="1"/>
+          </p:cNvSpPr>
+          <p:nvPr>
+            <p:ph idx="1"/>
+          </p:nvPr>
+        </p:nvSpPr>
+        <p:spPr>
+          <a:xfrm>
+            <a:off x="648931" y="2438400"/>
+            <a:ext cx="4166509" cy="3785419"/>
+          </a:xfrm>
+        </p:spPr>
+        <p:txBody>
+          <a:bodyPr>
+            <a:normAutofit fontScale="92500" lnSpcReduction="20000"/>
+          </a:bodyPr>
+          <a:lstStyle/>
+          <a:p>
+            <a:r>
+              <a:rPr lang="en-US" altLang="zh-TW" dirty="0"/>
+              <a:t>Skype</a:t>
+            </a:r>
+          </a:p>
+          <a:p>
+            <a:r>
+              <a:rPr lang="en-US" altLang="zh-TW" dirty="0"/>
+              <a:t>Web Chat</a:t>
+            </a:r>
+          </a:p>
+          <a:p>
+            <a:r>
+              <a:rPr lang="en-US" altLang="zh-TW" dirty="0"/>
+              <a:t>Direct Line</a:t>
+            </a:r>
+          </a:p>
+          <a:p>
+            <a:r>
+              <a:rPr lang="en-US" altLang="zh-TW" dirty="0"/>
+              <a:t>Email</a:t>
+            </a:r>
+          </a:p>
+          <a:p>
+            <a:r>
+              <a:rPr lang="en-US" altLang="zh-TW" dirty="0"/>
+              <a:t>Facebook Messenger</a:t>
+            </a:r>
+          </a:p>
+          <a:p>
+            <a:r>
+              <a:rPr lang="en-US" altLang="zh-TW" dirty="0" err="1"/>
+              <a:t>GroupMe</a:t>
             </a:r>
             <a:endParaRPr lang="en-US" altLang="zh-TW" dirty="0"/>
           </a:p>
           <a:p>
+            <a:r>
+              <a:rPr lang="en-US" altLang="zh-TW" dirty="0" err="1"/>
+              <a:t>Kik</a:t>
+            </a:r>
             <a:endParaRPr lang="en-US" altLang="zh-TW" dirty="0"/>
           </a:p>
           <a:p>
+            <a:r>
+              <a:rPr lang="en-US" altLang="zh-TW" dirty="0"/>
+              <a:t>Slack</a:t>
+            </a:r>
+          </a:p>
+          <a:p>
+            <a:r>
+              <a:rPr lang="en-US" altLang="zh-TW" dirty="0"/>
+              <a:t>Telegram</a:t>
+            </a:r>
+          </a:p>
+          <a:p>
+            <a:r>
+              <a:rPr lang="en-US" altLang="zh-TW" dirty="0" err="1"/>
+              <a:t>Twilio</a:t>
+            </a:r>
             <a:endParaRPr lang="zh-TW" altLang="en-US" dirty="0"/>
           </a:p>
         </p:txBody>
@@ -10543,7 +12748,7 @@
     </p:spTree>
     <p:extLst>
       <p:ext uri="{BB962C8B-B14F-4D97-AF65-F5344CB8AC3E}">
-        <p14:creationId xmlns:p14="http://schemas.microsoft.com/office/powerpoint/2010/main" val="4158931114"/>
+        <p14:creationId xmlns:p14="http://schemas.microsoft.com/office/powerpoint/2010/main" val="3307756983"/>
       </p:ext>
     </p:extLst>
   </p:cSld>
@@ -10572,6 +12777,664 @@
       </p:grpSpPr>
       <p:sp>
         <p:nvSpPr>
+          <p:cNvPr id="11" name="Rectangle 10"/>
+          <p:cNvSpPr>
+            <a:spLocks noGrp="1" noRot="1" noChangeAspect="1" noMove="1" noResize="1" noEditPoints="1" noAdjustHandles="1" noChangeArrowheads="1" noChangeShapeType="1" noTextEdit="1"/>
+          </p:cNvSpPr>
+          <p:nvPr>
+            <p:extLst>
+              <p:ext uri="{386F3935-93C4-4BCD-93E2-E3B085C9AB24}">
+                <p16:designElem xmlns:p16="http://schemas.microsoft.com/office/powerpoint/2015/main" val="1"/>
+              </p:ext>
+            </p:extLst>
+          </p:nvPr>
+        </p:nvSpPr>
+        <p:spPr>
+          <a:xfrm>
+            <a:off x="6093992" y="0"/>
+            <a:ext cx="6098427" cy="6858000"/>
+          </a:xfrm>
+          <a:prstGeom prst="rect">
+            <a:avLst/>
+          </a:prstGeom>
+          <a:solidFill>
+            <a:srgbClr val="FFFFFF"/>
+          </a:solidFill>
+          <a:ln>
+            <a:noFill/>
+          </a:ln>
+        </p:spPr>
+        <p:style>
+          <a:lnRef idx="2">
+            <a:schemeClr val="accent1">
+              <a:shade val="50000"/>
+            </a:schemeClr>
+          </a:lnRef>
+          <a:fillRef idx="1">
+            <a:schemeClr val="accent1"/>
+          </a:fillRef>
+          <a:effectRef idx="0">
+            <a:schemeClr val="accent1"/>
+          </a:effectRef>
+          <a:fontRef idx="minor">
+            <a:schemeClr val="lt1"/>
+          </a:fontRef>
+        </p:style>
+        <p:txBody>
+          <a:bodyPr rtlCol="0" anchor="ctr"/>
+          <a:lstStyle/>
+          <a:p>
+            <a:pPr algn="ctr"/>
+            <a:endParaRPr lang="en-US"/>
+          </a:p>
+        </p:txBody>
+      </p:sp>
+      <p:sp>
+        <p:nvSpPr>
+          <p:cNvPr id="12" name="Freeform 31"/>
+          <p:cNvSpPr>
+            <a:spLocks noGrp="1" noRot="1" noChangeAspect="1" noMove="1" noResize="1" noEditPoints="1" noAdjustHandles="1" noChangeArrowheads="1" noChangeShapeType="1" noTextEdit="1"/>
+          </p:cNvSpPr>
+          <p:nvPr>
+            <p:extLst>
+              <p:ext uri="{386F3935-93C4-4BCD-93E2-E3B085C9AB24}">
+                <p16:designElem xmlns:p16="http://schemas.microsoft.com/office/powerpoint/2015/main" val="1"/>
+              </p:ext>
+            </p:extLst>
+          </p:nvPr>
+        </p:nvSpPr>
+        <p:spPr>
+          <a:xfrm>
+            <a:off x="4994020" y="-1"/>
+            <a:ext cx="559472" cy="3709642"/>
+          </a:xfrm>
+          <a:custGeom>
+            <a:avLst/>
+            <a:gdLst>
+              <a:gd name="connsiteX0" fmla="*/ 0 w 559472"/>
+              <a:gd name="connsiteY0" fmla="*/ 0 h 3709642"/>
+              <a:gd name="connsiteX1" fmla="*/ 473952 w 559472"/>
+              <a:gd name="connsiteY1" fmla="*/ 0 h 3709642"/>
+              <a:gd name="connsiteX2" fmla="*/ 485840 w 559472"/>
+              <a:gd name="connsiteY2" fmla="*/ 161194 h 3709642"/>
+              <a:gd name="connsiteX3" fmla="*/ 523949 w 559472"/>
+              <a:gd name="connsiteY3" fmla="*/ 3672197 h 3709642"/>
+              <a:gd name="connsiteX4" fmla="*/ 454748 w 559472"/>
+              <a:gd name="connsiteY4" fmla="*/ 3709642 h 3709642"/>
+              <a:gd name="connsiteX5" fmla="*/ 448224 w 559472"/>
+              <a:gd name="connsiteY5" fmla="*/ 3510471 h 3709642"/>
+              <a:gd name="connsiteX6" fmla="*/ 443564 w 559472"/>
+              <a:gd name="connsiteY6" fmla="*/ 3408563 h 3709642"/>
+              <a:gd name="connsiteX7" fmla="*/ 438902 w 559472"/>
+              <a:gd name="connsiteY7" fmla="*/ 3304407 h 3709642"/>
+              <a:gd name="connsiteX8" fmla="*/ 433941 w 559472"/>
+              <a:gd name="connsiteY8" fmla="*/ 3198777 h 3709642"/>
+              <a:gd name="connsiteX9" fmla="*/ 427584 w 559472"/>
+              <a:gd name="connsiteY9" fmla="*/ 3092510 h 3709642"/>
+              <a:gd name="connsiteX10" fmla="*/ 420988 w 559472"/>
+              <a:gd name="connsiteY10" fmla="*/ 2984390 h 3709642"/>
+              <a:gd name="connsiteX11" fmla="*/ 414330 w 559472"/>
+              <a:gd name="connsiteY11" fmla="*/ 2874401 h 3709642"/>
+              <a:gd name="connsiteX12" fmla="*/ 406840 w 559472"/>
+              <a:gd name="connsiteY12" fmla="*/ 2762980 h 3709642"/>
+              <a:gd name="connsiteX13" fmla="*/ 397745 w 559472"/>
+              <a:gd name="connsiteY13" fmla="*/ 2650566 h 3709642"/>
+              <a:gd name="connsiteX14" fmla="*/ 389154 w 559472"/>
+              <a:gd name="connsiteY14" fmla="*/ 2536612 h 3709642"/>
+              <a:gd name="connsiteX15" fmla="*/ 379225 w 559472"/>
+              <a:gd name="connsiteY15" fmla="*/ 2421642 h 3709642"/>
+              <a:gd name="connsiteX16" fmla="*/ 368316 w 559472"/>
+              <a:gd name="connsiteY16" fmla="*/ 2305627 h 3709642"/>
+              <a:gd name="connsiteX17" fmla="*/ 357466 w 559472"/>
+              <a:gd name="connsiteY17" fmla="*/ 2189233 h 3709642"/>
+              <a:gd name="connsiteX18" fmla="*/ 344982 w 559472"/>
+              <a:gd name="connsiteY18" fmla="*/ 2071473 h 3709642"/>
+              <a:gd name="connsiteX19" fmla="*/ 332466 w 559472"/>
+              <a:gd name="connsiteY19" fmla="*/ 1952216 h 3709642"/>
+              <a:gd name="connsiteX20" fmla="*/ 319121 w 559472"/>
+              <a:gd name="connsiteY20" fmla="*/ 1833776 h 3709642"/>
+              <a:gd name="connsiteX21" fmla="*/ 304408 w 559472"/>
+              <a:gd name="connsiteY21" fmla="*/ 1713948 h 3709642"/>
+              <a:gd name="connsiteX22" fmla="*/ 288685 w 559472"/>
+              <a:gd name="connsiteY22" fmla="*/ 1592703 h 3709642"/>
+              <a:gd name="connsiteX23" fmla="*/ 273050 w 559472"/>
+              <a:gd name="connsiteY23" fmla="*/ 1471451 h 3709642"/>
+              <a:gd name="connsiteX24" fmla="*/ 255813 w 559472"/>
+              <a:gd name="connsiteY24" fmla="*/ 1350328 h 3709642"/>
+              <a:gd name="connsiteX25" fmla="*/ 237060 w 559472"/>
+              <a:gd name="connsiteY25" fmla="*/ 1227080 h 3709642"/>
+              <a:gd name="connsiteX26" fmla="*/ 218488 w 559472"/>
+              <a:gd name="connsiteY26" fmla="*/ 1106065 h 3709642"/>
+              <a:gd name="connsiteX27" fmla="*/ 198221 w 559472"/>
+              <a:gd name="connsiteY27" fmla="*/ 982940 h 3709642"/>
+              <a:gd name="connsiteX28" fmla="*/ 177152 w 559472"/>
+              <a:gd name="connsiteY28" fmla="*/ 858755 h 3709642"/>
+              <a:gd name="connsiteX29" fmla="*/ 155551 w 559472"/>
+              <a:gd name="connsiteY29" fmla="*/ 736861 h 3709642"/>
+              <a:gd name="connsiteX30" fmla="*/ 131782 w 559472"/>
+              <a:gd name="connsiteY30" fmla="*/ 613645 h 3709642"/>
+              <a:gd name="connsiteX31" fmla="*/ 107123 w 559472"/>
+              <a:gd name="connsiteY31" fmla="*/ 490500 h 3709642"/>
+              <a:gd name="connsiteX32" fmla="*/ 82552 w 559472"/>
+              <a:gd name="connsiteY32" fmla="*/ 367348 h 3709642"/>
+              <a:gd name="connsiteX33" fmla="*/ 55608 w 559472"/>
+              <a:gd name="connsiteY33" fmla="*/ 244762 h 3709642"/>
+              <a:gd name="connsiteX34" fmla="*/ 28130 w 559472"/>
+              <a:gd name="connsiteY34" fmla="*/ 122220 h 3709642"/>
+              <a:gd name="connsiteX35" fmla="*/ 0 w 559472"/>
+              <a:gd name="connsiteY35" fmla="*/ 0 h 3709642"/>
+            </a:gdLst>
+            <a:ahLst/>
+            <a:cxnLst>
+              <a:cxn ang="0">
+                <a:pos x="connsiteX0" y="connsiteY0"/>
+              </a:cxn>
+              <a:cxn ang="0">
+                <a:pos x="connsiteX1" y="connsiteY1"/>
+              </a:cxn>
+              <a:cxn ang="0">
+                <a:pos x="connsiteX2" y="connsiteY2"/>
+              </a:cxn>
+              <a:cxn ang="0">
+                <a:pos x="connsiteX3" y="connsiteY3"/>
+              </a:cxn>
+              <a:cxn ang="0">
+                <a:pos x="connsiteX4" y="connsiteY4"/>
+              </a:cxn>
+              <a:cxn ang="0">
+                <a:pos x="connsiteX5" y="connsiteY5"/>
+              </a:cxn>
+              <a:cxn ang="0">
+                <a:pos x="connsiteX6" y="connsiteY6"/>
+              </a:cxn>
+              <a:cxn ang="0">
+                <a:pos x="connsiteX7" y="connsiteY7"/>
+              </a:cxn>
+              <a:cxn ang="0">
+                <a:pos x="connsiteX8" y="connsiteY8"/>
+              </a:cxn>
+              <a:cxn ang="0">
+                <a:pos x="connsiteX9" y="connsiteY9"/>
+              </a:cxn>
+              <a:cxn ang="0">
+                <a:pos x="connsiteX10" y="connsiteY10"/>
+              </a:cxn>
+              <a:cxn ang="0">
+                <a:pos x="connsiteX11" y="connsiteY11"/>
+              </a:cxn>
+              <a:cxn ang="0">
+                <a:pos x="connsiteX12" y="connsiteY12"/>
+              </a:cxn>
+              <a:cxn ang="0">
+                <a:pos x="connsiteX13" y="connsiteY13"/>
+              </a:cxn>
+              <a:cxn ang="0">
+                <a:pos x="connsiteX14" y="connsiteY14"/>
+              </a:cxn>
+              <a:cxn ang="0">
+                <a:pos x="connsiteX15" y="connsiteY15"/>
+              </a:cxn>
+              <a:cxn ang="0">
+                <a:pos x="connsiteX16" y="connsiteY16"/>
+              </a:cxn>
+              <a:cxn ang="0">
+                <a:pos x="connsiteX17" y="connsiteY17"/>
+              </a:cxn>
+              <a:cxn ang="0">
+                <a:pos x="connsiteX18" y="connsiteY18"/>
+              </a:cxn>
+              <a:cxn ang="0">
+                <a:pos x="connsiteX19" y="connsiteY19"/>
+              </a:cxn>
+              <a:cxn ang="0">
+                <a:pos x="connsiteX20" y="connsiteY20"/>
+              </a:cxn>
+              <a:cxn ang="0">
+                <a:pos x="connsiteX21" y="connsiteY21"/>
+              </a:cxn>
+              <a:cxn ang="0">
+                <a:pos x="connsiteX22" y="connsiteY22"/>
+              </a:cxn>
+              <a:cxn ang="0">
+                <a:pos x="connsiteX23" y="connsiteY23"/>
+              </a:cxn>
+              <a:cxn ang="0">
+                <a:pos x="connsiteX24" y="connsiteY24"/>
+              </a:cxn>
+              <a:cxn ang="0">
+                <a:pos x="connsiteX25" y="connsiteY25"/>
+              </a:cxn>
+              <a:cxn ang="0">
+                <a:pos x="connsiteX26" y="connsiteY26"/>
+              </a:cxn>
+              <a:cxn ang="0">
+                <a:pos x="connsiteX27" y="connsiteY27"/>
+              </a:cxn>
+              <a:cxn ang="0">
+                <a:pos x="connsiteX28" y="connsiteY28"/>
+              </a:cxn>
+              <a:cxn ang="0">
+                <a:pos x="connsiteX29" y="connsiteY29"/>
+              </a:cxn>
+              <a:cxn ang="0">
+                <a:pos x="connsiteX30" y="connsiteY30"/>
+              </a:cxn>
+              <a:cxn ang="0">
+                <a:pos x="connsiteX31" y="connsiteY31"/>
+              </a:cxn>
+              <a:cxn ang="0">
+                <a:pos x="connsiteX32" y="connsiteY32"/>
+              </a:cxn>
+              <a:cxn ang="0">
+                <a:pos x="connsiteX33" y="connsiteY33"/>
+              </a:cxn>
+              <a:cxn ang="0">
+                <a:pos x="connsiteX34" y="connsiteY34"/>
+              </a:cxn>
+              <a:cxn ang="0">
+                <a:pos x="connsiteX35" y="connsiteY35"/>
+              </a:cxn>
+            </a:cxnLst>
+            <a:rect l="l" t="t" r="r" b="b"/>
+            <a:pathLst>
+              <a:path w="559472" h="3709642">
+                <a:moveTo>
+                  <a:pt x="0" y="0"/>
+                </a:moveTo>
+                <a:lnTo>
+                  <a:pt x="473952" y="0"/>
+                </a:lnTo>
+                <a:lnTo>
+                  <a:pt x="485840" y="161194"/>
+                </a:lnTo>
+                <a:cubicBezTo>
+                  <a:pt x="552063" y="1147770"/>
+                  <a:pt x="592441" y="3086737"/>
+                  <a:pt x="523949" y="3672197"/>
+                </a:cubicBezTo>
+                <a:cubicBezTo>
+                  <a:pt x="500842" y="3684557"/>
+                  <a:pt x="477855" y="3697282"/>
+                  <a:pt x="454748" y="3709642"/>
+                </a:cubicBezTo>
+                <a:lnTo>
+                  <a:pt x="448224" y="3510471"/>
+                </a:lnTo>
+                <a:lnTo>
+                  <a:pt x="443564" y="3408563"/>
+                </a:lnTo>
+                <a:lnTo>
+                  <a:pt x="438902" y="3304407"/>
+                </a:lnTo>
+                <a:lnTo>
+                  <a:pt x="433941" y="3198777"/>
+                </a:lnTo>
+                <a:lnTo>
+                  <a:pt x="427584" y="3092510"/>
+                </a:lnTo>
+                <a:lnTo>
+                  <a:pt x="420988" y="2984390"/>
+                </a:lnTo>
+                <a:lnTo>
+                  <a:pt x="414330" y="2874401"/>
+                </a:lnTo>
+                <a:lnTo>
+                  <a:pt x="406840" y="2762980"/>
+                </a:lnTo>
+                <a:lnTo>
+                  <a:pt x="397745" y="2650566"/>
+                </a:lnTo>
+                <a:lnTo>
+                  <a:pt x="389154" y="2536612"/>
+                </a:lnTo>
+                <a:lnTo>
+                  <a:pt x="379225" y="2421642"/>
+                </a:lnTo>
+                <a:lnTo>
+                  <a:pt x="368316" y="2305627"/>
+                </a:lnTo>
+                <a:lnTo>
+                  <a:pt x="357466" y="2189233"/>
+                </a:lnTo>
+                <a:lnTo>
+                  <a:pt x="344982" y="2071473"/>
+                </a:lnTo>
+                <a:lnTo>
+                  <a:pt x="332466" y="1952216"/>
+                </a:lnTo>
+                <a:lnTo>
+                  <a:pt x="319121" y="1833776"/>
+                </a:lnTo>
+                <a:lnTo>
+                  <a:pt x="304408" y="1713948"/>
+                </a:lnTo>
+                <a:lnTo>
+                  <a:pt x="288685" y="1592703"/>
+                </a:lnTo>
+                <a:lnTo>
+                  <a:pt x="273050" y="1471451"/>
+                </a:lnTo>
+                <a:lnTo>
+                  <a:pt x="255813" y="1350328"/>
+                </a:lnTo>
+                <a:lnTo>
+                  <a:pt x="237060" y="1227080"/>
+                </a:lnTo>
+                <a:lnTo>
+                  <a:pt x="218488" y="1106065"/>
+                </a:lnTo>
+                <a:lnTo>
+                  <a:pt x="198221" y="982940"/>
+                </a:lnTo>
+                <a:lnTo>
+                  <a:pt x="177152" y="858755"/>
+                </a:lnTo>
+                <a:lnTo>
+                  <a:pt x="155551" y="736861"/>
+                </a:lnTo>
+                <a:lnTo>
+                  <a:pt x="131782" y="613645"/>
+                </a:lnTo>
+                <a:lnTo>
+                  <a:pt x="107123" y="490500"/>
+                </a:lnTo>
+                <a:lnTo>
+                  <a:pt x="82552" y="367348"/>
+                </a:lnTo>
+                <a:lnTo>
+                  <a:pt x="55608" y="244762"/>
+                </a:lnTo>
+                <a:lnTo>
+                  <a:pt x="28130" y="122220"/>
+                </a:lnTo>
+                <a:lnTo>
+                  <a:pt x="0" y="0"/>
+                </a:lnTo>
+                <a:close/>
+              </a:path>
+            </a:pathLst>
+          </a:custGeom>
+          <a:solidFill>
+            <a:schemeClr val="tx1">
+              <a:alpha val="20000"/>
+            </a:schemeClr>
+          </a:solidFill>
+          <a:ln>
+            <a:noFill/>
+          </a:ln>
+        </p:spPr>
+        <p:txBody>
+          <a:bodyPr rtlCol="0" anchor="ctr"/>
+          <a:lstStyle/>
+          <a:p>
+            <a:pPr algn="ctr"/>
+            <a:endParaRPr lang="en-US"/>
+          </a:p>
+        </p:txBody>
+      </p:sp>
+      <p:sp>
+        <p:nvSpPr>
+          <p:cNvPr id="13" name="Freeform 5"/>
+          <p:cNvSpPr>
+            <a:spLocks noGrp="1" noRot="1" noChangeAspect="1" noMove="1" noResize="1" noEditPoints="1" noAdjustHandles="1" noChangeArrowheads="1" noChangeShapeType="1" noTextEdit="1"/>
+          </p:cNvSpPr>
+          <p:nvPr>
+            <p:extLst>
+              <p:ext uri="{386F3935-93C4-4BCD-93E2-E3B085C9AB24}">
+                <p16:designElem xmlns:p16="http://schemas.microsoft.com/office/powerpoint/2015/main" val="1"/>
+              </p:ext>
+            </p:extLst>
+          </p:nvPr>
+        </p:nvSpPr>
+        <p:spPr bwMode="gray">
+          <a:xfrm rot="16200000">
+            <a:off x="2450577" y="2756642"/>
+            <a:ext cx="6858000" cy="1344715"/>
+          </a:xfrm>
+          <a:custGeom>
+            <a:avLst/>
+            <a:gdLst/>
+            <a:ahLst/>
+            <a:cxnLst/>
+            <a:rect l="l" t="t" r="r" b="b"/>
+            <a:pathLst>
+              <a:path w="10000" h="8000">
+                <a:moveTo>
+                  <a:pt x="0" y="0"/>
+                </a:moveTo>
+                <a:lnTo>
+                  <a:pt x="0" y="7970"/>
+                </a:lnTo>
+                <a:lnTo>
+                  <a:pt x="10000" y="8000"/>
+                </a:lnTo>
+                <a:lnTo>
+                  <a:pt x="10000" y="7"/>
+                </a:lnTo>
+                <a:lnTo>
+                  <a:pt x="10000" y="7"/>
+                </a:lnTo>
+                <a:lnTo>
+                  <a:pt x="9773" y="156"/>
+                </a:lnTo>
+                <a:lnTo>
+                  <a:pt x="9547" y="298"/>
+                </a:lnTo>
+                <a:lnTo>
+                  <a:pt x="9320" y="437"/>
+                </a:lnTo>
+                <a:lnTo>
+                  <a:pt x="9092" y="556"/>
+                </a:lnTo>
+                <a:lnTo>
+                  <a:pt x="8865" y="676"/>
+                </a:lnTo>
+                <a:lnTo>
+                  <a:pt x="8637" y="788"/>
+                </a:lnTo>
+                <a:lnTo>
+                  <a:pt x="8412" y="884"/>
+                </a:lnTo>
+                <a:lnTo>
+                  <a:pt x="8184" y="975"/>
+                </a:lnTo>
+                <a:lnTo>
+                  <a:pt x="7957" y="1058"/>
+                </a:lnTo>
+                <a:lnTo>
+                  <a:pt x="7734" y="1130"/>
+                </a:lnTo>
+                <a:lnTo>
+                  <a:pt x="7508" y="1202"/>
+                </a:lnTo>
+                <a:lnTo>
+                  <a:pt x="7285" y="1262"/>
+                </a:lnTo>
+                <a:lnTo>
+                  <a:pt x="7062" y="1309"/>
+                </a:lnTo>
+                <a:lnTo>
+                  <a:pt x="6840" y="1358"/>
+                </a:lnTo>
+                <a:lnTo>
+                  <a:pt x="6620" y="1399"/>
+                </a:lnTo>
+                <a:lnTo>
+                  <a:pt x="6402" y="1428"/>
+                </a:lnTo>
+                <a:lnTo>
+                  <a:pt x="6184" y="1453"/>
+                </a:lnTo>
+                <a:lnTo>
+                  <a:pt x="5968" y="1477"/>
+                </a:lnTo>
+                <a:lnTo>
+                  <a:pt x="5755" y="1488"/>
+                </a:lnTo>
+                <a:lnTo>
+                  <a:pt x="5542" y="1500"/>
+                </a:lnTo>
+                <a:lnTo>
+                  <a:pt x="5332" y="1506"/>
+                </a:lnTo>
+                <a:lnTo>
+                  <a:pt x="5124" y="1500"/>
+                </a:lnTo>
+                <a:lnTo>
+                  <a:pt x="4918" y="1500"/>
+                </a:lnTo>
+                <a:lnTo>
+                  <a:pt x="4714" y="1488"/>
+                </a:lnTo>
+                <a:lnTo>
+                  <a:pt x="4514" y="1470"/>
+                </a:lnTo>
+                <a:lnTo>
+                  <a:pt x="4316" y="1453"/>
+                </a:lnTo>
+                <a:lnTo>
+                  <a:pt x="4122" y="1434"/>
+                </a:lnTo>
+                <a:lnTo>
+                  <a:pt x="3929" y="1405"/>
+                </a:lnTo>
+                <a:lnTo>
+                  <a:pt x="3739" y="1374"/>
+                </a:lnTo>
+                <a:lnTo>
+                  <a:pt x="3553" y="1346"/>
+                </a:lnTo>
+                <a:lnTo>
+                  <a:pt x="3190" y="1267"/>
+                </a:lnTo>
+                <a:lnTo>
+                  <a:pt x="2842" y="1183"/>
+                </a:lnTo>
+                <a:lnTo>
+                  <a:pt x="2508" y="1095"/>
+                </a:lnTo>
+                <a:lnTo>
+                  <a:pt x="2192" y="998"/>
+                </a:lnTo>
+                <a:lnTo>
+                  <a:pt x="1890" y="897"/>
+                </a:lnTo>
+                <a:lnTo>
+                  <a:pt x="1610" y="788"/>
+                </a:lnTo>
+                <a:lnTo>
+                  <a:pt x="1347" y="681"/>
+                </a:lnTo>
+                <a:lnTo>
+                  <a:pt x="1105" y="574"/>
+                </a:lnTo>
+                <a:lnTo>
+                  <a:pt x="883" y="473"/>
+                </a:lnTo>
+                <a:lnTo>
+                  <a:pt x="686" y="377"/>
+                </a:lnTo>
+                <a:lnTo>
+                  <a:pt x="508" y="286"/>
+                </a:lnTo>
+                <a:lnTo>
+                  <a:pt x="358" y="210"/>
+                </a:lnTo>
+                <a:lnTo>
+                  <a:pt x="232" y="138"/>
+                </a:lnTo>
+                <a:lnTo>
+                  <a:pt x="59" y="35"/>
+                </a:lnTo>
+                <a:lnTo>
+                  <a:pt x="0" y="0"/>
+                </a:lnTo>
+                <a:lnTo>
+                  <a:pt x="0" y="0"/>
+                </a:lnTo>
+                <a:close/>
+              </a:path>
+            </a:pathLst>
+          </a:custGeom>
+          <a:solidFill>
+            <a:srgbClr val="FFFFFF"/>
+          </a:solidFill>
+          <a:ln>
+            <a:noFill/>
+          </a:ln>
+        </p:spPr>
+      </p:sp>
+      <p:pic>
+        <p:nvPicPr>
+          <p:cNvPr id="5" name="內容版面配置區 4"/>
+          <p:cNvPicPr>
+            <a:picLocks noChangeAspect="1"/>
+          </p:cNvPicPr>
+          <p:nvPr/>
+        </p:nvPicPr>
+        <p:blipFill>
+          <a:blip r:embed="rId2"/>
+          <a:stretch>
+            <a:fillRect/>
+          </a:stretch>
+        </p:blipFill>
+        <p:spPr>
+          <a:xfrm>
+            <a:off x="6093992" y="1378478"/>
+            <a:ext cx="5449889" cy="4101041"/>
+          </a:xfrm>
+          <a:prstGeom prst="rect">
+            <a:avLst/>
+          </a:prstGeom>
+          <a:effectLst/>
+        </p:spPr>
+      </p:pic>
+      <p:sp>
+        <p:nvSpPr>
+          <p:cNvPr id="14" name="Rectangle 13"/>
+          <p:cNvSpPr>
+            <a:spLocks noGrp="1" noRot="1" noChangeAspect="1" noMove="1" noResize="1" noEditPoints="1" noAdjustHandles="1" noChangeArrowheads="1" noChangeShapeType="1" noTextEdit="1"/>
+          </p:cNvSpPr>
+          <p:nvPr>
+            <p:extLst>
+              <p:ext uri="{386F3935-93C4-4BCD-93E2-E3B085C9AB24}">
+                <p16:designElem xmlns:p16="http://schemas.microsoft.com/office/powerpoint/2015/main" val="1"/>
+              </p:ext>
+            </p:extLst>
+          </p:nvPr>
+        </p:nvSpPr>
+        <p:spPr>
+          <a:xfrm>
+            <a:off x="10442448" y="0"/>
+            <a:ext cx="685800" cy="1143000"/>
+          </a:xfrm>
+          <a:prstGeom prst="rect">
+            <a:avLst/>
+          </a:prstGeom>
+          <a:solidFill>
+            <a:schemeClr val="accent1"/>
+          </a:solidFill>
+          <a:ln>
+            <a:noFill/>
+          </a:ln>
+        </p:spPr>
+        <p:style>
+          <a:lnRef idx="1">
+            <a:schemeClr val="accent1"/>
+          </a:lnRef>
+          <a:fillRef idx="3">
+            <a:schemeClr val="accent1"/>
+          </a:fillRef>
+          <a:effectRef idx="2">
+            <a:schemeClr val="accent1"/>
+          </a:effectRef>
+          <a:fontRef idx="minor">
+            <a:schemeClr val="lt1"/>
+          </a:fontRef>
+        </p:style>
+      </p:sp>
+      <p:sp>
+        <p:nvSpPr>
           <p:cNvPr id="2" name="標題 1"/>
           <p:cNvSpPr>
             <a:spLocks noGrp="1"/>
@@ -10580,86 +13443,81 @@
             <p:ph type="title"/>
           </p:nvPr>
         </p:nvSpPr>
+        <p:spPr>
+          <a:xfrm>
+            <a:off x="648931" y="629266"/>
+            <a:ext cx="4166510" cy="1622321"/>
+          </a:xfrm>
+        </p:spPr>
+        <p:txBody>
+          <a:bodyPr>
+            <a:normAutofit/>
+          </a:bodyPr>
+          <a:lstStyle/>
+          <a:p>
+            <a:r>
+              <a:rPr lang="en-US" altLang="zh-TW"/>
+              <a:t>Bot Framework Emulator</a:t>
+            </a:r>
+            <a:endParaRPr lang="zh-TW" altLang="en-US"/>
+          </a:p>
+        </p:txBody>
+      </p:sp>
+      <p:sp>
+        <p:nvSpPr>
+          <p:cNvPr id="3" name="內容版面配置區 2"/>
+          <p:cNvSpPr>
+            <a:spLocks noGrp="1"/>
+          </p:cNvSpPr>
+          <p:nvPr>
+            <p:ph idx="1"/>
+          </p:nvPr>
+        </p:nvSpPr>
+        <p:spPr>
+          <a:xfrm>
+            <a:off x="648931" y="2438400"/>
+            <a:ext cx="4166509" cy="3785419"/>
+          </a:xfrm>
+        </p:spPr>
+        <p:txBody>
+          <a:bodyPr>
+            <a:normAutofit/>
+          </a:bodyPr>
+          <a:lstStyle/>
+          <a:p>
+            <a:r>
+              <a:rPr lang="en-US" altLang="zh-TW" dirty="0"/>
+              <a:t>An easy way to debug your bot(</a:t>
+            </a:r>
+            <a:r>
+              <a:rPr lang="en-US" altLang="zh-TW" dirty="0" err="1">
+                <a:hlinkClick r:id="rId3"/>
+              </a:rPr>
+              <a:t>gotoLink</a:t>
+            </a:r>
+            <a:r>
+              <a:rPr lang="en-US" altLang="zh-TW" dirty="0"/>
+              <a:t>).</a:t>
+            </a:r>
+            <a:endParaRPr lang="zh-TW" altLang="en-US" dirty="0"/>
+          </a:p>
+        </p:txBody>
+      </p:sp>
+      <p:sp>
+        <p:nvSpPr>
+          <p:cNvPr id="4" name="投影片編號版面配置區 3"/>
+          <p:cNvSpPr>
+            <a:spLocks noGrp="1"/>
+          </p:cNvSpPr>
+          <p:nvPr>
+            <p:ph type="sldNum" sz="quarter" idx="12"/>
+          </p:nvPr>
+        </p:nvSpPr>
         <p:spPr/>
         <p:txBody>
-          <a:bodyPr/>
-          <a:lstStyle/>
-          <a:p>
-            <a:r>
-              <a:rPr lang="en-US" altLang="zh-TW" dirty="0"/>
-              <a:t>Hands-On Lab2</a:t>
-            </a:r>
-            <a:endParaRPr lang="zh-TW" altLang="en-US" dirty="0"/>
-          </a:p>
-        </p:txBody>
-      </p:sp>
-      <p:sp>
-        <p:nvSpPr>
-          <p:cNvPr id="3" name="內容版面配置區 2"/>
-          <p:cNvSpPr>
-            <a:spLocks noGrp="1"/>
-          </p:cNvSpPr>
-          <p:nvPr>
-            <p:ph idx="1"/>
-          </p:nvPr>
-        </p:nvSpPr>
-        <p:spPr/>
-        <p:txBody>
-          <a:bodyPr/>
-          <a:lstStyle/>
-          <a:p>
-            <a:r>
-              <a:rPr lang="zh-TW" altLang="en-US" dirty="0"/>
-              <a:t>使用</a:t>
-            </a:r>
-            <a:r>
-              <a:rPr lang="en-US" altLang="zh-TW" dirty="0"/>
-              <a:t>Bot Builder</a:t>
-            </a:r>
-            <a:r>
-              <a:rPr lang="zh-TW" altLang="en-US" dirty="0"/>
-              <a:t>發送訊息</a:t>
-            </a:r>
-            <a:endParaRPr lang="en-US" altLang="zh-TW" dirty="0"/>
-          </a:p>
-          <a:p>
-            <a:pPr lvl="1"/>
-            <a:r>
-              <a:rPr lang="zh-TW" altLang="en-US" dirty="0"/>
-              <a:t>在</a:t>
-            </a:r>
-            <a:r>
-              <a:rPr lang="en-US" altLang="zh-TW" dirty="0" err="1"/>
-              <a:t>diolog</a:t>
-            </a:r>
-            <a:r>
-              <a:rPr lang="zh-TW" altLang="en-US" dirty="0"/>
-              <a:t>中夾代訊息</a:t>
-            </a:r>
-            <a:endParaRPr lang="en-US" altLang="zh-TW" dirty="0"/>
-          </a:p>
-          <a:p>
-            <a:pPr lvl="1"/>
-            <a:r>
-              <a:rPr lang="zh-TW" altLang="en-US" dirty="0"/>
-              <a:t>在一般程式中傳送訊息</a:t>
-            </a:r>
-          </a:p>
-        </p:txBody>
-      </p:sp>
-      <p:sp>
-        <p:nvSpPr>
-          <p:cNvPr id="4" name="投影片編號版面配置區 3"/>
-          <p:cNvSpPr>
-            <a:spLocks noGrp="1"/>
-          </p:cNvSpPr>
-          <p:nvPr>
-            <p:ph type="sldNum" sz="quarter" idx="12"/>
-          </p:nvPr>
-        </p:nvSpPr>
-        <p:spPr/>
-        <p:txBody>
-          <a:bodyPr/>
+          <a:bodyPr>
+            <a:normAutofit/>
+          </a:bodyPr>
           <a:lstStyle/>
           <a:p>
             <a:fld id="{D466FAAA-B4AD-4AFB-AEBE-069464B45C14}" type="slidenum">
@@ -10673,7 +13531,7 @@
     </p:spTree>
     <p:extLst>
       <p:ext uri="{BB962C8B-B14F-4D97-AF65-F5344CB8AC3E}">
-        <p14:creationId xmlns:p14="http://schemas.microsoft.com/office/powerpoint/2010/main" val="1929928842"/>
+        <p14:creationId xmlns:p14="http://schemas.microsoft.com/office/powerpoint/2010/main" val="1991878485"/>
       </p:ext>
     </p:extLst>
   </p:cSld>
